--- a/projects/Hardware_Johanna_Floris_Frank/project_canvas.pptx
+++ b/projects/Hardware_Johanna_Floris_Frank/project_canvas.pptx
@@ -567,6 +567,11 @@
         </p:txBody>
       </p:sp>
     </p:spTree>
+    <p:extLst>
+      <p:ext uri="{BB962C8B-B14F-4D97-AF65-F5344CB8AC3E}">
+        <p14:creationId xmlns:p14="http://schemas.microsoft.com/office/powerpoint/2010/main" val="407295202"/>
+      </p:ext>
+    </p:extLst>
   </p:cSld>
   <p:clrMap bg1="lt1" tx1="dk1" bg2="dk2" tx2="lt2" accent1="accent1" accent2="accent2" accent3="accent3" accent4="accent4" accent5="accent5" accent6="accent6" hlink="hlink" folHlink="folHlink"/>
   <p:notesStyle>
@@ -934,6 +939,11 @@
         </p:txBody>
       </p:sp>
     </p:spTree>
+    <p:extLst>
+      <p:ext uri="{BB962C8B-B14F-4D97-AF65-F5344CB8AC3E}">
+        <p14:creationId xmlns:p14="http://schemas.microsoft.com/office/powerpoint/2010/main" val="876458736"/>
+      </p:ext>
+    </p:extLst>
   </p:cSld>
   <p:clrMapOvr>
     <a:masterClrMapping/>
@@ -1038,6 +1048,11 @@
         </p:txBody>
       </p:sp>
     </p:spTree>
+    <p:extLst>
+      <p:ext uri="{BB962C8B-B14F-4D97-AF65-F5344CB8AC3E}">
+        <p14:creationId xmlns:p14="http://schemas.microsoft.com/office/powerpoint/2010/main" val="1418101516"/>
+      </p:ext>
+    </p:extLst>
   </p:cSld>
   <p:clrMapOvr>
     <a:masterClrMapping/>
@@ -1420,7 +1435,7 @@
             </a:pPr>
             <a:fld id="{00000000-1234-1234-1234-123412341234}" type="slidenum">
               <a:rPr lang="en"/>
-              <a:t>‹#›</a:t>
+              <a:t>‹nr.›</a:t>
             </a:fld>
             <a:endParaRPr/>
           </a:p>
@@ -1784,7 +1799,7 @@
             </a:pPr>
             <a:fld id="{00000000-1234-1234-1234-123412341234}" type="slidenum">
               <a:rPr lang="en"/>
-              <a:t>‹#›</a:t>
+              <a:t>‹nr.›</a:t>
             </a:fld>
             <a:endParaRPr/>
           </a:p>
@@ -1888,7 +1903,7 @@
             </a:pPr>
             <a:fld id="{00000000-1234-1234-1234-123412341234}" type="slidenum">
               <a:rPr lang="en"/>
-              <a:t>‹#›</a:t>
+              <a:t>‹nr.›</a:t>
             </a:fld>
             <a:endParaRPr/>
           </a:p>
@@ -2121,7 +2136,7 @@
             </a:pPr>
             <a:fld id="{00000000-1234-1234-1234-123412341234}" type="slidenum">
               <a:rPr lang="en"/>
-              <a:t>‹#›</a:t>
+              <a:t>‹nr.›</a:t>
             </a:fld>
             <a:endParaRPr/>
           </a:p>
@@ -2483,7 +2498,7 @@
             </a:pPr>
             <a:fld id="{00000000-1234-1234-1234-123412341234}" type="slidenum">
               <a:rPr lang="en"/>
-              <a:t>‹#›</a:t>
+              <a:t>‹nr.›</a:t>
             </a:fld>
             <a:endParaRPr/>
           </a:p>
@@ -2974,7 +2989,7 @@
             </a:pPr>
             <a:fld id="{00000000-1234-1234-1234-123412341234}" type="slidenum">
               <a:rPr lang="en"/>
-              <a:t>‹#›</a:t>
+              <a:t>‹nr.›</a:t>
             </a:fld>
             <a:endParaRPr/>
           </a:p>
@@ -3207,7 +3222,7 @@
             </a:pPr>
             <a:fld id="{00000000-1234-1234-1234-123412341234}" type="slidenum">
               <a:rPr lang="en"/>
-              <a:t>‹#›</a:t>
+              <a:t>‹nr.›</a:t>
             </a:fld>
             <a:endParaRPr/>
           </a:p>
@@ -3569,7 +3584,7 @@
             </a:pPr>
             <a:fld id="{00000000-1234-1234-1234-123412341234}" type="slidenum">
               <a:rPr lang="en"/>
-              <a:t>‹#›</a:t>
+              <a:t>‹nr.›</a:t>
             </a:fld>
             <a:endParaRPr/>
           </a:p>
@@ -3802,7 +3817,7 @@
             </a:pPr>
             <a:fld id="{00000000-1234-1234-1234-123412341234}" type="slidenum">
               <a:rPr lang="en"/>
-              <a:t>‹#›</a:t>
+              <a:t>‹nr.›</a:t>
             </a:fld>
             <a:endParaRPr/>
           </a:p>
@@ -4360,7 +4375,7 @@
             </a:pPr>
             <a:fld id="{00000000-1234-1234-1234-123412341234}" type="slidenum">
               <a:rPr lang="en"/>
-              <a:t>‹#›</a:t>
+              <a:t>‹nr.›</a:t>
             </a:fld>
             <a:endParaRPr/>
           </a:p>
@@ -4508,7 +4523,7 @@
             </a:pPr>
             <a:fld id="{00000000-1234-1234-1234-123412341234}" type="slidenum">
               <a:rPr lang="en"/>
-              <a:t>‹#›</a:t>
+              <a:t>‹nr.›</a:t>
             </a:fld>
             <a:endParaRPr/>
           </a:p>
@@ -5079,7 +5094,7 @@
             </a:pPr>
             <a:fld id="{00000000-1234-1234-1234-123412341234}" type="slidenum">
               <a:rPr lang="en"/>
-              <a:t>‹#›</a:t>
+              <a:t>‹nr.›</a:t>
             </a:fld>
             <a:endParaRPr/>
           </a:p>
@@ -5859,21 +5874,33 @@
               <a:buNone/>
             </a:pPr>
             <a:r>
-              <a:rPr lang="en" sz="1200">
-                <a:solidFill>
-                  <a:srgbClr val="4A86E8"/>
-                </a:solidFill>
-                <a:latin typeface="Open Sans"/>
-                <a:ea typeface="Open Sans"/>
-                <a:cs typeface="Open Sans"/>
-                <a:sym typeface="Open Sans"/>
-              </a:rPr>
-              <a:t>Collecting/structure the ideas of the C</a:t>
-            </a:r>
-            <a:r>
-              <a:rPr lang="en-GB" sz="1200">
-                <a:solidFill>
-                  <a:srgbClr val="4A86E8"/>
+              <a:rPr lang="en" sz="1200" dirty="0" smtClean="0">
+                <a:solidFill>
+                  <a:schemeClr val="tx1"/>
+                </a:solidFill>
+                <a:latin typeface="Open Sans"/>
+                <a:ea typeface="Open Sans"/>
+                <a:cs typeface="Open Sans"/>
+                <a:sym typeface="Open Sans"/>
+              </a:rPr>
+              <a:t>Collecting/structure </a:t>
+            </a:r>
+            <a:r>
+              <a:rPr lang="en" sz="1200" dirty="0">
+                <a:solidFill>
+                  <a:schemeClr val="tx1"/>
+                </a:solidFill>
+                <a:latin typeface="Open Sans"/>
+                <a:ea typeface="Open Sans"/>
+                <a:cs typeface="Open Sans"/>
+                <a:sym typeface="Open Sans"/>
+              </a:rPr>
+              <a:t>the ideas of the C</a:t>
+            </a:r>
+            <a:r>
+              <a:rPr lang="en-GB" sz="1200" dirty="0">
+                <a:solidFill>
+                  <a:schemeClr val="tx1"/>
                 </a:solidFill>
                 <a:latin typeface="Open Sans"/>
                 <a:ea typeface="Open Sans"/>
@@ -5883,9 +5910,9 @@
               <a:t>o</a:t>
             </a:r>
             <a:r>
-              <a:rPr lang="en" sz="1200">
-                <a:solidFill>
-                  <a:srgbClr val="4A86E8"/>
+              <a:rPr lang="en" sz="1200" dirty="0">
+                <a:solidFill>
+                  <a:schemeClr val="tx1"/>
                 </a:solidFill>
                 <a:latin typeface="Open Sans"/>
                 <a:ea typeface="Open Sans"/>
@@ -5905,9 +5932,9 @@
               </a:spcAft>
               <a:buNone/>
             </a:pPr>
-            <a:endParaRPr lang="en" sz="1200">
+            <a:endParaRPr lang="en" sz="1200" dirty="0">
               <a:solidFill>
-                <a:srgbClr val="4A86E8"/>
+                <a:schemeClr val="tx1"/>
               </a:solidFill>
               <a:latin typeface="Open Sans"/>
               <a:ea typeface="Open Sans"/>
@@ -5926,9 +5953,9 @@
               <a:buNone/>
             </a:pPr>
             <a:r>
-              <a:rPr lang="en" sz="1200">
-                <a:solidFill>
-                  <a:srgbClr val="4A86E8"/>
+              <a:rPr lang="en" sz="1200" dirty="0">
+                <a:solidFill>
+                  <a:schemeClr val="tx1"/>
                 </a:solidFill>
                 <a:latin typeface="Open Sans"/>
                 <a:ea typeface="Open Sans"/>
@@ -5948,9 +5975,9 @@
               </a:spcAft>
               <a:buNone/>
             </a:pPr>
-            <a:endParaRPr lang="en" sz="1200">
+            <a:endParaRPr lang="en" sz="1200" dirty="0">
               <a:solidFill>
-                <a:srgbClr val="4A86E8"/>
+                <a:schemeClr val="tx1"/>
               </a:solidFill>
               <a:latin typeface="Open Sans"/>
               <a:ea typeface="Open Sans"/>
@@ -5969,9 +5996,9 @@
               <a:buNone/>
             </a:pPr>
             <a:r>
-              <a:rPr lang="en" sz="1200">
-                <a:solidFill>
-                  <a:srgbClr val="4A86E8"/>
+              <a:rPr lang="en" sz="1200" dirty="0">
+                <a:solidFill>
+                  <a:schemeClr val="tx1"/>
                 </a:solidFill>
                 <a:latin typeface="Open Sans"/>
                 <a:ea typeface="Open Sans"/>
@@ -5980,9 +6007,9 @@
               </a:rPr>
               <a:t>Install the hardware </a:t>
             </a:r>
-            <a:endParaRPr sz="1200">
+            <a:endParaRPr sz="1200" dirty="0">
               <a:solidFill>
-                <a:srgbClr val="4A86E8"/>
+                <a:schemeClr val="tx1"/>
               </a:solidFill>
               <a:latin typeface="Open Sans"/>
               <a:ea typeface="Open Sans"/>
@@ -6029,7 +6056,7 @@
             <a:r>
               <a:rPr lang="en" sz="1200">
                 <a:solidFill>
-                  <a:srgbClr val="4A86E8"/>
+                  <a:schemeClr val="tx1"/>
                 </a:solidFill>
                 <a:latin typeface="Open Sans"/>
                 <a:ea typeface="Open Sans"/>
@@ -6052,7 +6079,7 @@
             <a:r>
               <a:rPr lang="de-DE" sz="1200">
                 <a:solidFill>
-                  <a:srgbClr val="4A86E8"/>
+                  <a:schemeClr val="tx1"/>
                 </a:solidFill>
                 <a:latin typeface="Open Sans"/>
                 <a:ea typeface="Open Sans"/>
@@ -6075,7 +6102,7 @@
             <a:r>
               <a:rPr lang="de-DE" sz="1200">
                 <a:solidFill>
-                  <a:srgbClr val="4A86E8"/>
+                  <a:schemeClr val="tx1"/>
                 </a:solidFill>
                 <a:latin typeface="Open Sans"/>
                 <a:ea typeface="Open Sans"/>
@@ -6086,7 +6113,7 @@
             </a:r>
             <a:endParaRPr sz="1200">
               <a:solidFill>
-                <a:srgbClr val="4A86E8"/>
+                <a:schemeClr val="tx1"/>
               </a:solidFill>
               <a:latin typeface="Open Sans"/>
               <a:ea typeface="Open Sans"/>
@@ -6104,8 +6131,8 @@
         </p:nvSpPr>
         <p:spPr>
           <a:xfrm>
-            <a:off x="2208229" y="2142275"/>
-            <a:ext cx="1389600" cy="1098000"/>
+            <a:off x="2208229" y="2097550"/>
+            <a:ext cx="1413546" cy="1196900"/>
           </a:xfrm>
           <a:prstGeom prst="rect">
             <a:avLst/>
@@ -6122,9 +6149,9 @@
           <a:lstStyle/>
           <a:p>
             <a:r>
-              <a:rPr lang="de-DE" sz="1000">
-                <a:solidFill>
-                  <a:srgbClr val="4A86E8"/>
+              <a:rPr lang="de-DE" sz="850" dirty="0">
+                <a:solidFill>
+                  <a:schemeClr val="tx1"/>
                 </a:solidFill>
                 <a:latin typeface="Open Sans"/>
                 <a:ea typeface="Open Sans"/>
@@ -6134,9 +6161,9 @@
               <a:t>The </a:t>
             </a:r>
             <a:r>
-              <a:rPr lang="de-DE" sz="1000" err="1">
-                <a:solidFill>
-                  <a:srgbClr val="4A86E8"/>
+              <a:rPr lang="de-DE" sz="850" dirty="0" err="1">
+                <a:solidFill>
+                  <a:schemeClr val="tx1"/>
                 </a:solidFill>
                 <a:latin typeface="Open Sans"/>
                 <a:ea typeface="Open Sans"/>
@@ -6146,9 +6173,9 @@
               <a:t>data</a:t>
             </a:r>
             <a:r>
-              <a:rPr lang="de-DE" sz="1000">
-                <a:solidFill>
-                  <a:srgbClr val="4A86E8"/>
+              <a:rPr lang="de-DE" sz="850" dirty="0">
+                <a:solidFill>
+                  <a:schemeClr val="tx1"/>
                 </a:solidFill>
                 <a:latin typeface="Open Sans"/>
                 <a:ea typeface="Open Sans"/>
@@ -6158,9 +6185,9 @@
               <a:t> </a:t>
             </a:r>
             <a:r>
-              <a:rPr lang="de-DE" sz="1000" err="1">
-                <a:solidFill>
-                  <a:srgbClr val="4A86E8"/>
+              <a:rPr lang="de-DE" sz="850" dirty="0" err="1">
+                <a:solidFill>
+                  <a:schemeClr val="tx1"/>
                 </a:solidFill>
                 <a:latin typeface="Open Sans"/>
                 <a:ea typeface="Open Sans"/>
@@ -6170,9 +6197,9 @@
               <a:t>transfer</a:t>
             </a:r>
             <a:r>
-              <a:rPr lang="de-DE" sz="1000">
-                <a:solidFill>
-                  <a:srgbClr val="4A86E8"/>
+              <a:rPr lang="de-DE" sz="850" dirty="0">
+                <a:solidFill>
+                  <a:schemeClr val="tx1"/>
                 </a:solidFill>
                 <a:latin typeface="Open Sans"/>
                 <a:ea typeface="Open Sans"/>
@@ -6182,9 +6209,9 @@
               <a:t> </a:t>
             </a:r>
             <a:r>
-              <a:rPr lang="de-DE" sz="1000" err="1">
-                <a:solidFill>
-                  <a:srgbClr val="4A86E8"/>
+              <a:rPr lang="de-DE" sz="850" dirty="0" err="1">
+                <a:solidFill>
+                  <a:schemeClr val="tx1"/>
                 </a:solidFill>
                 <a:latin typeface="Open Sans"/>
                 <a:ea typeface="Open Sans"/>
@@ -6194,9 +6221,9 @@
               <a:t>has</a:t>
             </a:r>
             <a:r>
-              <a:rPr lang="de-DE" sz="1000">
-                <a:solidFill>
-                  <a:srgbClr val="4A86E8"/>
+              <a:rPr lang="de-DE" sz="850" dirty="0">
+                <a:solidFill>
+                  <a:schemeClr val="tx1"/>
                 </a:solidFill>
                 <a:latin typeface="Open Sans"/>
                 <a:ea typeface="Open Sans"/>
@@ -6206,9 +6233,9 @@
               <a:t> </a:t>
             </a:r>
             <a:r>
-              <a:rPr lang="de-DE" sz="1000" err="1">
-                <a:solidFill>
-                  <a:srgbClr val="4A86E8"/>
+              <a:rPr lang="de-DE" sz="850" dirty="0" err="1">
+                <a:solidFill>
+                  <a:schemeClr val="tx1"/>
                 </a:solidFill>
                 <a:latin typeface="Open Sans"/>
                 <a:ea typeface="Open Sans"/>
@@ -6218,9 +6245,9 @@
               <a:t>to</a:t>
             </a:r>
             <a:r>
-              <a:rPr lang="de-DE" sz="1000">
-                <a:solidFill>
-                  <a:srgbClr val="4A86E8"/>
+              <a:rPr lang="de-DE" sz="850" dirty="0">
+                <a:solidFill>
+                  <a:schemeClr val="tx1"/>
                 </a:solidFill>
                 <a:latin typeface="Open Sans"/>
                 <a:ea typeface="Open Sans"/>
@@ -6230,9 +6257,9 @@
               <a:t> </a:t>
             </a:r>
             <a:r>
-              <a:rPr lang="de-DE" sz="1000" err="1">
-                <a:solidFill>
-                  <a:srgbClr val="4A86E8"/>
+              <a:rPr lang="de-DE" sz="850" dirty="0" err="1" smtClean="0">
+                <a:solidFill>
+                  <a:schemeClr val="tx1"/>
                 </a:solidFill>
                 <a:latin typeface="Open Sans"/>
                 <a:ea typeface="Open Sans"/>
@@ -6242,9 +6269,129 @@
               <a:t>work</a:t>
             </a:r>
             <a:r>
-              <a:rPr lang="de-DE" sz="1000">
-                <a:solidFill>
-                  <a:srgbClr val="4A86E8"/>
+              <a:rPr lang="de-DE" sz="850" dirty="0" smtClean="0">
+                <a:solidFill>
+                  <a:schemeClr val="tx1"/>
+                </a:solidFill>
+                <a:latin typeface="Open Sans"/>
+                <a:ea typeface="Open Sans"/>
+                <a:cs typeface="Open Sans"/>
+                <a:sym typeface="Open Sans"/>
+              </a:rPr>
+              <a:t>, </a:t>
+            </a:r>
+            <a:r>
+              <a:rPr lang="de-DE" sz="850" dirty="0" err="1" smtClean="0">
+                <a:solidFill>
+                  <a:schemeClr val="tx1"/>
+                </a:solidFill>
+                <a:latin typeface="Open Sans"/>
+                <a:ea typeface="Open Sans"/>
+                <a:cs typeface="Open Sans"/>
+                <a:sym typeface="Open Sans"/>
+              </a:rPr>
+              <a:t>with</a:t>
+            </a:r>
+            <a:r>
+              <a:rPr lang="de-DE" sz="850" dirty="0" smtClean="0">
+                <a:solidFill>
+                  <a:schemeClr val="tx1"/>
+                </a:solidFill>
+                <a:latin typeface="Open Sans"/>
+                <a:ea typeface="Open Sans"/>
+                <a:cs typeface="Open Sans"/>
+                <a:sym typeface="Open Sans"/>
+              </a:rPr>
+              <a:t> an </a:t>
+            </a:r>
+            <a:r>
+              <a:rPr lang="de-DE" sz="850" dirty="0" err="1" smtClean="0">
+                <a:solidFill>
+                  <a:schemeClr val="tx1"/>
+                </a:solidFill>
+                <a:latin typeface="Open Sans"/>
+                <a:ea typeface="Open Sans"/>
+                <a:cs typeface="Open Sans"/>
+                <a:sym typeface="Open Sans"/>
+              </a:rPr>
+              <a:t>adeque</a:t>
+            </a:r>
+            <a:r>
+              <a:rPr lang="de-DE" sz="850" dirty="0" smtClean="0">
+                <a:solidFill>
+                  <a:schemeClr val="tx1"/>
+                </a:solidFill>
+                <a:latin typeface="Open Sans"/>
+                <a:ea typeface="Open Sans"/>
+                <a:cs typeface="Open Sans"/>
+                <a:sym typeface="Open Sans"/>
+              </a:rPr>
+              <a:t> </a:t>
+            </a:r>
+            <a:r>
+              <a:rPr lang="de-DE" sz="850" dirty="0" err="1" smtClean="0">
+                <a:solidFill>
+                  <a:schemeClr val="tx1"/>
+                </a:solidFill>
+                <a:latin typeface="Open Sans"/>
+                <a:ea typeface="Open Sans"/>
+                <a:cs typeface="Open Sans"/>
+                <a:sym typeface="Open Sans"/>
+              </a:rPr>
+              <a:t>number</a:t>
+            </a:r>
+            <a:r>
+              <a:rPr lang="de-DE" sz="850" dirty="0" smtClean="0">
+                <a:solidFill>
+                  <a:schemeClr val="tx1"/>
+                </a:solidFill>
+                <a:latin typeface="Open Sans"/>
+                <a:ea typeface="Open Sans"/>
+                <a:cs typeface="Open Sans"/>
+                <a:sym typeface="Open Sans"/>
+              </a:rPr>
+              <a:t> </a:t>
+            </a:r>
+            <a:r>
+              <a:rPr lang="de-DE" sz="850" dirty="0" err="1" smtClean="0">
+                <a:solidFill>
+                  <a:schemeClr val="tx1"/>
+                </a:solidFill>
+                <a:latin typeface="Open Sans"/>
+                <a:ea typeface="Open Sans"/>
+                <a:cs typeface="Open Sans"/>
+                <a:sym typeface="Open Sans"/>
+              </a:rPr>
+              <a:t>of</a:t>
+            </a:r>
+            <a:r>
+              <a:rPr lang="de-DE" sz="850" dirty="0" smtClean="0">
+                <a:solidFill>
+                  <a:schemeClr val="tx1"/>
+                </a:solidFill>
+                <a:latin typeface="Open Sans"/>
+                <a:ea typeface="Open Sans"/>
+                <a:cs typeface="Open Sans"/>
+                <a:sym typeface="Open Sans"/>
+              </a:rPr>
+              <a:t> </a:t>
+            </a:r>
+            <a:r>
+              <a:rPr lang="de-DE" sz="850" dirty="0" err="1" smtClean="0">
+                <a:solidFill>
+                  <a:schemeClr val="tx1"/>
+                </a:solidFill>
+                <a:latin typeface="Open Sans"/>
+                <a:ea typeface="Open Sans"/>
+                <a:cs typeface="Open Sans"/>
+                <a:sym typeface="Open Sans"/>
+              </a:rPr>
+              <a:t>inputs</a:t>
+            </a:r>
+            <a:r>
+              <a:rPr lang="de-DE" sz="850" dirty="0" smtClean="0">
+                <a:solidFill>
+                  <a:schemeClr val="tx1"/>
                 </a:solidFill>
                 <a:latin typeface="Open Sans"/>
                 <a:ea typeface="Open Sans"/>
@@ -6254,21 +6401,21 @@
               <a:t> (</a:t>
             </a:r>
             <a:r>
-              <a:rPr lang="de-DE" sz="1000" err="1">
-                <a:solidFill>
-                  <a:srgbClr val="4A86E8"/>
-                </a:solidFill>
-                <a:latin typeface="Open Sans"/>
-                <a:ea typeface="Open Sans"/>
-                <a:cs typeface="Open Sans"/>
-                <a:sym typeface="Open Sans"/>
-              </a:rPr>
-              <a:t>use</a:t>
-            </a:r>
-            <a:r>
-              <a:rPr lang="de-DE" sz="1000">
-                <a:solidFill>
-                  <a:srgbClr val="4A86E8"/>
+              <a:rPr lang="de-DE" sz="850" dirty="0" err="1" smtClean="0">
+                <a:solidFill>
+                  <a:schemeClr val="tx1"/>
+                </a:solidFill>
+                <a:latin typeface="Open Sans"/>
+                <a:ea typeface="Open Sans"/>
+                <a:cs typeface="Open Sans"/>
+                <a:sym typeface="Open Sans"/>
+              </a:rPr>
+              <a:t>decided</a:t>
+            </a:r>
+            <a:r>
+              <a:rPr lang="de-DE" sz="850" dirty="0" smtClean="0">
+                <a:solidFill>
+                  <a:schemeClr val="tx1"/>
                 </a:solidFill>
                 <a:latin typeface="Open Sans"/>
                 <a:ea typeface="Open Sans"/>
@@ -6278,21 +6425,21 @@
               <a:t> </a:t>
             </a:r>
             <a:r>
-              <a:rPr lang="de-DE" sz="1000" err="1">
-                <a:solidFill>
-                  <a:srgbClr val="4A86E8"/>
-                </a:solidFill>
-                <a:latin typeface="Open Sans"/>
-                <a:ea typeface="Open Sans"/>
-                <a:cs typeface="Open Sans"/>
-                <a:sym typeface="Open Sans"/>
-              </a:rPr>
-              <a:t>dummy</a:t>
-            </a:r>
-            <a:r>
-              <a:rPr lang="de-DE" sz="1000">
-                <a:solidFill>
-                  <a:srgbClr val="4A86E8"/>
+              <a:rPr lang="de-DE" sz="850" dirty="0" err="1" smtClean="0">
+                <a:solidFill>
+                  <a:schemeClr val="tx1"/>
+                </a:solidFill>
+                <a:latin typeface="Open Sans"/>
+                <a:ea typeface="Open Sans"/>
+                <a:cs typeface="Open Sans"/>
+                <a:sym typeface="Open Sans"/>
+              </a:rPr>
+              <a:t>by</a:t>
+            </a:r>
+            <a:r>
+              <a:rPr lang="de-DE" sz="850" dirty="0" smtClean="0">
+                <a:solidFill>
+                  <a:schemeClr val="tx1"/>
                 </a:solidFill>
                 <a:latin typeface="Open Sans"/>
                 <a:ea typeface="Open Sans"/>
@@ -6302,21 +6449,21 @@
               <a:t> </a:t>
             </a:r>
             <a:r>
-              <a:rPr lang="de-DE" sz="1000" err="1">
-                <a:solidFill>
-                  <a:srgbClr val="4A86E8"/>
-                </a:solidFill>
-                <a:latin typeface="Open Sans"/>
-                <a:ea typeface="Open Sans"/>
-                <a:cs typeface="Open Sans"/>
-                <a:sym typeface="Open Sans"/>
-              </a:rPr>
-              <a:t>data</a:t>
-            </a:r>
-            <a:r>
-              <a:rPr lang="de-DE" sz="1000">
-                <a:solidFill>
-                  <a:srgbClr val="4A86E8"/>
+              <a:rPr lang="de-DE" sz="850" dirty="0" err="1" smtClean="0">
+                <a:solidFill>
+                  <a:schemeClr val="tx1"/>
+                </a:solidFill>
+                <a:latin typeface="Open Sans"/>
+                <a:ea typeface="Open Sans"/>
+                <a:cs typeface="Open Sans"/>
+                <a:sym typeface="Open Sans"/>
+              </a:rPr>
+              <a:t>input</a:t>
+            </a:r>
+            <a:r>
+              <a:rPr lang="de-DE" sz="850" dirty="0" smtClean="0">
+                <a:solidFill>
+                  <a:schemeClr val="tx1"/>
                 </a:solidFill>
                 <a:latin typeface="Open Sans"/>
                 <a:ea typeface="Open Sans"/>
@@ -6326,21 +6473,21 @@
               <a:t> </a:t>
             </a:r>
             <a:r>
-              <a:rPr lang="de-DE" sz="1000" err="1">
-                <a:solidFill>
-                  <a:srgbClr val="4A86E8"/>
-                </a:solidFill>
-                <a:latin typeface="Open Sans"/>
-                <a:ea typeface="Open Sans"/>
-                <a:cs typeface="Open Sans"/>
-                <a:sym typeface="Open Sans"/>
-              </a:rPr>
-              <a:t>file</a:t>
-            </a:r>
-            <a:r>
-              <a:rPr lang="de-DE" sz="1000">
-                <a:solidFill>
-                  <a:srgbClr val="4A86E8"/>
+              <a:rPr lang="de-DE" sz="850" dirty="0" err="1" smtClean="0">
+                <a:solidFill>
+                  <a:schemeClr val="tx1"/>
+                </a:solidFill>
+                <a:latin typeface="Open Sans"/>
+                <a:ea typeface="Open Sans"/>
+                <a:cs typeface="Open Sans"/>
+                <a:sym typeface="Open Sans"/>
+              </a:rPr>
+              <a:t>of</a:t>
+            </a:r>
+            <a:r>
+              <a:rPr lang="de-DE" sz="850" dirty="0" smtClean="0">
+                <a:solidFill>
+                  <a:schemeClr val="tx1"/>
                 </a:solidFill>
                 <a:latin typeface="Open Sans"/>
                 <a:ea typeface="Open Sans"/>
@@ -6350,21 +6497,21 @@
               <a:t> </a:t>
             </a:r>
             <a:r>
-              <a:rPr lang="de-DE" sz="1000" err="1">
-                <a:solidFill>
-                  <a:srgbClr val="4A86E8"/>
-                </a:solidFill>
-                <a:latin typeface="Open Sans"/>
-                <a:ea typeface="Open Sans"/>
-                <a:cs typeface="Open Sans"/>
-                <a:sym typeface="Open Sans"/>
-              </a:rPr>
-              <a:t>for</a:t>
-            </a:r>
-            <a:r>
-              <a:rPr lang="de-DE" sz="1000">
-                <a:solidFill>
-                  <a:srgbClr val="4A86E8"/>
+              <a:rPr lang="de-DE" sz="850" dirty="0" err="1" smtClean="0">
+                <a:solidFill>
+                  <a:schemeClr val="tx1"/>
+                </a:solidFill>
+                <a:latin typeface="Open Sans"/>
+                <a:ea typeface="Open Sans"/>
+                <a:cs typeface="Open Sans"/>
+                <a:sym typeface="Open Sans"/>
+              </a:rPr>
+              <a:t>other</a:t>
+            </a:r>
+            <a:r>
+              <a:rPr lang="de-DE" sz="850" dirty="0" smtClean="0">
+                <a:solidFill>
+                  <a:schemeClr val="tx1"/>
                 </a:solidFill>
                 <a:latin typeface="Open Sans"/>
                 <a:ea typeface="Open Sans"/>
@@ -6374,45 +6521,69 @@
               <a:t> </a:t>
             </a:r>
             <a:r>
-              <a:rPr lang="de-DE" sz="1000" err="1">
-                <a:solidFill>
-                  <a:srgbClr val="4A86E8"/>
-                </a:solidFill>
-                <a:latin typeface="Open Sans"/>
-                <a:ea typeface="Open Sans"/>
-                <a:cs typeface="Open Sans"/>
-                <a:sym typeface="Open Sans"/>
-              </a:rPr>
-              <a:t>testing</a:t>
-            </a:r>
-            <a:r>
-              <a:rPr lang="de-DE" sz="1000">
-                <a:solidFill>
-                  <a:srgbClr val="4A86E8"/>
-                </a:solidFill>
-                <a:latin typeface="Open Sans"/>
-                <a:ea typeface="Open Sans"/>
-                <a:cs typeface="Open Sans"/>
-                <a:sym typeface="Open Sans"/>
-              </a:rPr>
-              <a:t>). Maybe </a:t>
-            </a:r>
-            <a:r>
-              <a:rPr lang="de-DE" sz="1000" err="1">
-                <a:solidFill>
-                  <a:srgbClr val="4A86E8"/>
-                </a:solidFill>
-                <a:latin typeface="Open Sans"/>
-                <a:ea typeface="Open Sans"/>
-                <a:cs typeface="Open Sans"/>
-                <a:sym typeface="Open Sans"/>
-              </a:rPr>
-              <a:t>test</a:t>
-            </a:r>
-            <a:r>
-              <a:rPr lang="de-DE" sz="1000">
-                <a:solidFill>
-                  <a:srgbClr val="4A86E8"/>
+              <a:rPr lang="de-DE" sz="850" dirty="0" err="1" smtClean="0">
+                <a:solidFill>
+                  <a:schemeClr val="tx1"/>
+                </a:solidFill>
+                <a:latin typeface="Open Sans"/>
+                <a:ea typeface="Open Sans"/>
+                <a:cs typeface="Open Sans"/>
+                <a:sym typeface="Open Sans"/>
+              </a:rPr>
+              <a:t>groups</a:t>
+            </a:r>
+            <a:r>
+              <a:rPr lang="de-DE" sz="850" dirty="0" smtClean="0">
+                <a:solidFill>
+                  <a:schemeClr val="tx1"/>
+                </a:solidFill>
+                <a:latin typeface="Open Sans"/>
+                <a:ea typeface="Open Sans"/>
+                <a:cs typeface="Open Sans"/>
+                <a:sym typeface="Open Sans"/>
+              </a:rPr>
+              <a:t>). Transfer </a:t>
+            </a:r>
+            <a:r>
+              <a:rPr lang="de-DE" sz="850" dirty="0" err="1" smtClean="0">
+                <a:solidFill>
+                  <a:schemeClr val="tx1"/>
+                </a:solidFill>
+                <a:latin typeface="Open Sans"/>
+                <a:ea typeface="Open Sans"/>
+                <a:cs typeface="Open Sans"/>
+                <a:sym typeface="Open Sans"/>
+              </a:rPr>
+              <a:t>speed</a:t>
+            </a:r>
+            <a:r>
+              <a:rPr lang="de-DE" sz="850" dirty="0" smtClean="0">
+                <a:solidFill>
+                  <a:schemeClr val="tx1"/>
+                </a:solidFill>
+                <a:latin typeface="Open Sans"/>
+                <a:ea typeface="Open Sans"/>
+                <a:cs typeface="Open Sans"/>
+                <a:sym typeface="Open Sans"/>
+              </a:rPr>
+              <a:t>/</a:t>
+            </a:r>
+            <a:r>
+              <a:rPr lang="de-DE" sz="850" dirty="0" err="1" smtClean="0">
+                <a:solidFill>
+                  <a:schemeClr val="tx1"/>
+                </a:solidFill>
+                <a:latin typeface="Open Sans"/>
+                <a:ea typeface="Open Sans"/>
+                <a:cs typeface="Open Sans"/>
+                <a:sym typeface="Open Sans"/>
+              </a:rPr>
+              <a:t>bandwidth</a:t>
+            </a:r>
+            <a:r>
+              <a:rPr lang="de-DE" sz="850" dirty="0" smtClean="0">
+                <a:solidFill>
+                  <a:schemeClr val="tx1"/>
                 </a:solidFill>
                 <a:latin typeface="Open Sans"/>
                 <a:ea typeface="Open Sans"/>
@@ -6422,21 +6593,21 @@
               <a:t> </a:t>
             </a:r>
             <a:r>
-              <a:rPr lang="de-DE" sz="1000" err="1">
-                <a:solidFill>
-                  <a:srgbClr val="4A86E8"/>
-                </a:solidFill>
-                <a:latin typeface="Open Sans"/>
-                <a:ea typeface="Open Sans"/>
-                <a:cs typeface="Open Sans"/>
-                <a:sym typeface="Open Sans"/>
-              </a:rPr>
-              <a:t>transmission</a:t>
-            </a:r>
-            <a:r>
-              <a:rPr lang="de-DE" sz="1000">
-                <a:solidFill>
-                  <a:srgbClr val="4A86E8"/>
+              <a:rPr lang="de-DE" sz="850" dirty="0" err="1" smtClean="0">
+                <a:solidFill>
+                  <a:schemeClr val="tx1"/>
+                </a:solidFill>
+                <a:latin typeface="Open Sans"/>
+                <a:ea typeface="Open Sans"/>
+                <a:cs typeface="Open Sans"/>
+                <a:sym typeface="Open Sans"/>
+              </a:rPr>
+              <a:t>should</a:t>
+            </a:r>
+            <a:r>
+              <a:rPr lang="de-DE" sz="850" dirty="0" smtClean="0">
+                <a:solidFill>
+                  <a:schemeClr val="tx1"/>
                 </a:solidFill>
                 <a:latin typeface="Open Sans"/>
                 <a:ea typeface="Open Sans"/>
@@ -6446,44 +6617,200 @@
               <a:t> </a:t>
             </a:r>
             <a:r>
-              <a:rPr lang="de-DE" sz="1000" err="1">
-                <a:solidFill>
-                  <a:srgbClr val="4A86E8"/>
-                </a:solidFill>
-                <a:latin typeface="Open Sans"/>
-                <a:ea typeface="Open Sans"/>
-                <a:cs typeface="Open Sans"/>
-                <a:sym typeface="Open Sans"/>
-              </a:rPr>
-              <a:t>speed</a:t>
-            </a:r>
-            <a:r>
-              <a:rPr lang="de-DE" sz="1000">
-                <a:solidFill>
-                  <a:srgbClr val="4A86E8"/>
-                </a:solidFill>
-                <a:latin typeface="Open Sans"/>
-                <a:ea typeface="Open Sans"/>
-                <a:cs typeface="Open Sans"/>
-                <a:sym typeface="Open Sans"/>
-              </a:rPr>
-              <a:t> /</a:t>
-            </a:r>
-            <a:r>
-              <a:rPr lang="de-DE" sz="1000" err="1">
-                <a:solidFill>
-                  <a:srgbClr val="4A86E8"/>
-                </a:solidFill>
-                <a:latin typeface="Open Sans"/>
-                <a:ea typeface="Open Sans"/>
-                <a:cs typeface="Open Sans"/>
-                <a:sym typeface="Open Sans"/>
-              </a:rPr>
-              <a:t>bandwidth</a:t>
-            </a:r>
-            <a:endParaRPr lang="nl-NL" sz="1000" err="1">
+              <a:rPr lang="de-DE" sz="850" dirty="0" err="1" smtClean="0">
+                <a:solidFill>
+                  <a:schemeClr val="tx1"/>
+                </a:solidFill>
+                <a:latin typeface="Open Sans"/>
+                <a:ea typeface="Open Sans"/>
+                <a:cs typeface="Open Sans"/>
+                <a:sym typeface="Open Sans"/>
+              </a:rPr>
+              <a:t>be</a:t>
+            </a:r>
+            <a:r>
+              <a:rPr lang="de-DE" sz="850" dirty="0" smtClean="0">
+                <a:solidFill>
+                  <a:schemeClr val="tx1"/>
+                </a:solidFill>
+                <a:latin typeface="Open Sans"/>
+                <a:ea typeface="Open Sans"/>
+                <a:cs typeface="Open Sans"/>
+                <a:sym typeface="Open Sans"/>
+              </a:rPr>
+              <a:t> </a:t>
+            </a:r>
+            <a:r>
+              <a:rPr lang="de-DE" sz="850" dirty="0" err="1" smtClean="0">
+                <a:solidFill>
+                  <a:schemeClr val="tx1"/>
+                </a:solidFill>
+                <a:latin typeface="Open Sans"/>
+                <a:ea typeface="Open Sans"/>
+                <a:cs typeface="Open Sans"/>
+                <a:sym typeface="Open Sans"/>
+              </a:rPr>
+              <a:t>tested</a:t>
+            </a:r>
+            <a:r>
+              <a:rPr lang="de-DE" sz="850" dirty="0" smtClean="0">
+                <a:solidFill>
+                  <a:schemeClr val="tx1"/>
+                </a:solidFill>
+                <a:latin typeface="Open Sans"/>
+                <a:ea typeface="Open Sans"/>
+                <a:cs typeface="Open Sans"/>
+                <a:sym typeface="Open Sans"/>
+              </a:rPr>
+              <a:t>. Signal-</a:t>
+            </a:r>
+            <a:r>
+              <a:rPr lang="de-DE" sz="850" dirty="0" err="1" smtClean="0">
+                <a:solidFill>
+                  <a:schemeClr val="tx1"/>
+                </a:solidFill>
+                <a:latin typeface="Open Sans"/>
+                <a:ea typeface="Open Sans"/>
+                <a:cs typeface="Open Sans"/>
+                <a:sym typeface="Open Sans"/>
+              </a:rPr>
+              <a:t>to</a:t>
+            </a:r>
+            <a:r>
+              <a:rPr lang="de-DE" sz="850" dirty="0" smtClean="0">
+                <a:solidFill>
+                  <a:schemeClr val="tx1"/>
+                </a:solidFill>
+                <a:latin typeface="Open Sans"/>
+                <a:ea typeface="Open Sans"/>
+                <a:cs typeface="Open Sans"/>
+                <a:sym typeface="Open Sans"/>
+              </a:rPr>
+              <a:t>-</a:t>
+            </a:r>
+            <a:r>
+              <a:rPr lang="de-DE" sz="850" dirty="0" err="1" smtClean="0">
+                <a:solidFill>
+                  <a:schemeClr val="tx1"/>
+                </a:solidFill>
+                <a:latin typeface="Open Sans"/>
+                <a:ea typeface="Open Sans"/>
+                <a:cs typeface="Open Sans"/>
+                <a:sym typeface="Open Sans"/>
+              </a:rPr>
+              <a:t>noise</a:t>
+            </a:r>
+            <a:r>
+              <a:rPr lang="de-DE" sz="850" dirty="0" smtClean="0">
+                <a:solidFill>
+                  <a:schemeClr val="tx1"/>
+                </a:solidFill>
+                <a:latin typeface="Open Sans"/>
+                <a:ea typeface="Open Sans"/>
+                <a:cs typeface="Open Sans"/>
+                <a:sym typeface="Open Sans"/>
+              </a:rPr>
+              <a:t> </a:t>
+            </a:r>
+            <a:r>
+              <a:rPr lang="de-DE" sz="850" dirty="0" err="1" smtClean="0">
+                <a:solidFill>
+                  <a:schemeClr val="tx1"/>
+                </a:solidFill>
+                <a:latin typeface="Open Sans"/>
+                <a:ea typeface="Open Sans"/>
+                <a:cs typeface="Open Sans"/>
+                <a:sym typeface="Open Sans"/>
+              </a:rPr>
+              <a:t>ratio</a:t>
+            </a:r>
+            <a:r>
+              <a:rPr lang="de-DE" sz="850" dirty="0" smtClean="0">
+                <a:solidFill>
+                  <a:schemeClr val="tx1"/>
+                </a:solidFill>
+                <a:latin typeface="Open Sans"/>
+                <a:ea typeface="Open Sans"/>
+                <a:cs typeface="Open Sans"/>
+                <a:sym typeface="Open Sans"/>
+              </a:rPr>
+              <a:t> </a:t>
+            </a:r>
+            <a:r>
+              <a:rPr lang="de-DE" sz="850" dirty="0" err="1" smtClean="0">
+                <a:solidFill>
+                  <a:schemeClr val="tx1"/>
+                </a:solidFill>
+                <a:latin typeface="Open Sans"/>
+                <a:ea typeface="Open Sans"/>
+                <a:cs typeface="Open Sans"/>
+                <a:sym typeface="Open Sans"/>
+              </a:rPr>
+              <a:t>should</a:t>
+            </a:r>
+            <a:r>
+              <a:rPr lang="de-DE" sz="850" dirty="0" smtClean="0">
+                <a:solidFill>
+                  <a:schemeClr val="tx1"/>
+                </a:solidFill>
+                <a:latin typeface="Open Sans"/>
+                <a:ea typeface="Open Sans"/>
+                <a:cs typeface="Open Sans"/>
+                <a:sym typeface="Open Sans"/>
+              </a:rPr>
+              <a:t> </a:t>
+            </a:r>
+            <a:r>
+              <a:rPr lang="de-DE" sz="850" dirty="0" err="1" smtClean="0">
+                <a:solidFill>
+                  <a:schemeClr val="tx1"/>
+                </a:solidFill>
+                <a:latin typeface="Open Sans"/>
+                <a:ea typeface="Open Sans"/>
+                <a:cs typeface="Open Sans"/>
+                <a:sym typeface="Open Sans"/>
+              </a:rPr>
+              <a:t>be</a:t>
+            </a:r>
+            <a:r>
+              <a:rPr lang="de-DE" sz="850" dirty="0" smtClean="0">
+                <a:solidFill>
+                  <a:schemeClr val="tx1"/>
+                </a:solidFill>
+                <a:latin typeface="Open Sans"/>
+                <a:ea typeface="Open Sans"/>
+                <a:cs typeface="Open Sans"/>
+                <a:sym typeface="Open Sans"/>
+              </a:rPr>
+              <a:t> </a:t>
+            </a:r>
+            <a:r>
+              <a:rPr lang="de-DE" sz="850" dirty="0" err="1" smtClean="0">
+                <a:solidFill>
+                  <a:schemeClr val="tx1"/>
+                </a:solidFill>
+                <a:latin typeface="Open Sans"/>
+                <a:ea typeface="Open Sans"/>
+                <a:cs typeface="Open Sans"/>
+                <a:sym typeface="Open Sans"/>
+              </a:rPr>
+              <a:t>minimilized</a:t>
+            </a:r>
+            <a:r>
+              <a:rPr lang="de-DE" sz="850" dirty="0" smtClean="0">
+                <a:solidFill>
+                  <a:schemeClr val="tx1"/>
+                </a:solidFill>
+                <a:latin typeface="Open Sans"/>
+                <a:ea typeface="Open Sans"/>
+                <a:cs typeface="Open Sans"/>
+                <a:sym typeface="Open Sans"/>
+              </a:rPr>
+              <a:t>.</a:t>
+            </a:r>
+            <a:endParaRPr lang="nl-NL" sz="850" dirty="0">
               <a:solidFill>
-                <a:srgbClr val="4A86E8"/>
+                <a:schemeClr val="tx1"/>
               </a:solidFill>
               <a:latin typeface="Open Sans"/>
               <a:ea typeface="Open Sans"/>
@@ -6527,16 +6854,64 @@
               <a:buNone/>
             </a:pPr>
             <a:r>
-              <a:rPr lang="de-DE" sz="1200">
-                <a:solidFill>
-                  <a:srgbClr val="4A86E8"/>
-                </a:solidFill>
-                <a:latin typeface="Open Sans"/>
-                <a:ea typeface="Open Sans"/>
-                <a:cs typeface="Open Sans"/>
-                <a:sym typeface="Open Sans"/>
-              </a:rPr>
-              <a:t>Your subproject informations,</a:t>
+              <a:rPr lang="de-DE" sz="1200" dirty="0" smtClean="0">
+                <a:solidFill>
+                  <a:schemeClr val="tx1"/>
+                </a:solidFill>
+                <a:latin typeface="Open Sans"/>
+                <a:ea typeface="Open Sans"/>
+                <a:cs typeface="Open Sans"/>
+                <a:sym typeface="Open Sans"/>
+              </a:rPr>
+              <a:t>-Information on </a:t>
+            </a:r>
+            <a:r>
+              <a:rPr lang="de-DE" sz="1200" dirty="0" err="1" smtClean="0">
+                <a:solidFill>
+                  <a:schemeClr val="tx1"/>
+                </a:solidFill>
+                <a:latin typeface="Open Sans"/>
+                <a:ea typeface="Open Sans"/>
+                <a:cs typeface="Open Sans"/>
+                <a:sym typeface="Open Sans"/>
+              </a:rPr>
+              <a:t>other</a:t>
+            </a:r>
+            <a:r>
+              <a:rPr lang="de-DE" sz="1200" dirty="0" smtClean="0">
+                <a:solidFill>
+                  <a:schemeClr val="tx1"/>
+                </a:solidFill>
+                <a:latin typeface="Open Sans"/>
+                <a:ea typeface="Open Sans"/>
+                <a:cs typeface="Open Sans"/>
+                <a:sym typeface="Open Sans"/>
+              </a:rPr>
+              <a:t> </a:t>
+            </a:r>
+            <a:r>
+              <a:rPr lang="de-DE" sz="1200" dirty="0" err="1" smtClean="0">
+                <a:solidFill>
+                  <a:schemeClr val="tx1"/>
+                </a:solidFill>
+                <a:latin typeface="Open Sans"/>
+                <a:ea typeface="Open Sans"/>
+                <a:cs typeface="Open Sans"/>
+                <a:sym typeface="Open Sans"/>
+              </a:rPr>
+              <a:t>subprojects</a:t>
+            </a:r>
+            <a:r>
+              <a:rPr lang="de-DE" sz="1200" dirty="0" smtClean="0">
+                <a:solidFill>
+                  <a:schemeClr val="tx1"/>
+                </a:solidFill>
+                <a:latin typeface="Open Sans"/>
+                <a:ea typeface="Open Sans"/>
+                <a:cs typeface="Open Sans"/>
+                <a:sym typeface="Open Sans"/>
+              </a:rPr>
+              <a:t>,</a:t>
             </a:r>
           </a:p>
           <a:p>
@@ -6550,16 +6925,256 @@
               <a:buNone/>
             </a:pPr>
             <a:r>
-              <a:rPr lang="de-DE" sz="1200">
-                <a:solidFill>
-                  <a:srgbClr val="4A86E8"/>
-                </a:solidFill>
-                <a:latin typeface="Open Sans"/>
-                <a:ea typeface="Open Sans"/>
-                <a:cs typeface="Open Sans"/>
-                <a:sym typeface="Open Sans"/>
-              </a:rPr>
-              <a:t>Wires (…),</a:t>
+              <a:rPr lang="de-DE" sz="1200" dirty="0" smtClean="0">
+                <a:solidFill>
+                  <a:schemeClr val="tx1"/>
+                </a:solidFill>
+                <a:latin typeface="Open Sans"/>
+                <a:ea typeface="Open Sans"/>
+                <a:cs typeface="Open Sans"/>
+                <a:sym typeface="Open Sans"/>
+              </a:rPr>
+              <a:t>-</a:t>
+            </a:r>
+            <a:r>
+              <a:rPr lang="de-DE" sz="1200" dirty="0" err="1" smtClean="0">
+                <a:solidFill>
+                  <a:schemeClr val="tx1"/>
+                </a:solidFill>
+                <a:latin typeface="Open Sans"/>
+                <a:ea typeface="Open Sans"/>
+                <a:cs typeface="Open Sans"/>
+                <a:sym typeface="Open Sans"/>
+              </a:rPr>
+              <a:t>Electrical</a:t>
+            </a:r>
+            <a:r>
+              <a:rPr lang="de-DE" sz="1200" dirty="0" smtClean="0">
+                <a:solidFill>
+                  <a:schemeClr val="tx1"/>
+                </a:solidFill>
+                <a:latin typeface="Open Sans"/>
+                <a:ea typeface="Open Sans"/>
+                <a:cs typeface="Open Sans"/>
+                <a:sym typeface="Open Sans"/>
+              </a:rPr>
+              <a:t> </a:t>
+            </a:r>
+            <a:r>
+              <a:rPr lang="de-DE" sz="1200" dirty="0" err="1" smtClean="0">
+                <a:solidFill>
+                  <a:schemeClr val="tx1"/>
+                </a:solidFill>
+                <a:latin typeface="Open Sans"/>
+                <a:ea typeface="Open Sans"/>
+                <a:cs typeface="Open Sans"/>
+                <a:sym typeface="Open Sans"/>
+              </a:rPr>
+              <a:t>wires</a:t>
+            </a:r>
+            <a:r>
+              <a:rPr lang="de-DE" sz="1200" dirty="0" smtClean="0">
+                <a:solidFill>
+                  <a:schemeClr val="tx1"/>
+                </a:solidFill>
+                <a:latin typeface="Open Sans"/>
+                <a:ea typeface="Open Sans"/>
+                <a:cs typeface="Open Sans"/>
+                <a:sym typeface="Open Sans"/>
+              </a:rPr>
+              <a:t>, </a:t>
+            </a:r>
+            <a:r>
+              <a:rPr lang="de-DE" sz="1200" dirty="0" err="1" smtClean="0">
+                <a:solidFill>
+                  <a:schemeClr val="tx1"/>
+                </a:solidFill>
+                <a:latin typeface="Open Sans"/>
+                <a:ea typeface="Open Sans"/>
+                <a:cs typeface="Open Sans"/>
+                <a:sym typeface="Open Sans"/>
+              </a:rPr>
+              <a:t>means</a:t>
+            </a:r>
+            <a:r>
+              <a:rPr lang="de-DE" sz="1200" dirty="0" smtClean="0">
+                <a:solidFill>
+                  <a:schemeClr val="tx1"/>
+                </a:solidFill>
+                <a:latin typeface="Open Sans"/>
+                <a:ea typeface="Open Sans"/>
+                <a:cs typeface="Open Sans"/>
+                <a:sym typeface="Open Sans"/>
+              </a:rPr>
+              <a:t> </a:t>
+            </a:r>
+            <a:r>
+              <a:rPr lang="de-DE" sz="1200" dirty="0" err="1" smtClean="0">
+                <a:solidFill>
+                  <a:schemeClr val="tx1"/>
+                </a:solidFill>
+                <a:latin typeface="Open Sans"/>
+                <a:ea typeface="Open Sans"/>
+                <a:cs typeface="Open Sans"/>
+                <a:sym typeface="Open Sans"/>
+              </a:rPr>
+              <a:t>of</a:t>
+            </a:r>
+            <a:r>
+              <a:rPr lang="de-DE" sz="1200" dirty="0" smtClean="0">
+                <a:solidFill>
+                  <a:schemeClr val="tx1"/>
+                </a:solidFill>
+                <a:latin typeface="Open Sans"/>
+                <a:ea typeface="Open Sans"/>
+                <a:cs typeface="Open Sans"/>
+                <a:sym typeface="Open Sans"/>
+              </a:rPr>
+              <a:t> </a:t>
+            </a:r>
+            <a:r>
+              <a:rPr lang="de-DE" sz="1200" dirty="0" err="1" smtClean="0">
+                <a:solidFill>
+                  <a:schemeClr val="tx1"/>
+                </a:solidFill>
+                <a:latin typeface="Open Sans"/>
+                <a:ea typeface="Open Sans"/>
+                <a:cs typeface="Open Sans"/>
+                <a:sym typeface="Open Sans"/>
+              </a:rPr>
+              <a:t>shielding</a:t>
+            </a:r>
+            <a:r>
+              <a:rPr lang="de-DE" sz="1200" dirty="0" smtClean="0">
+                <a:solidFill>
+                  <a:schemeClr val="tx1"/>
+                </a:solidFill>
+                <a:latin typeface="Open Sans"/>
+                <a:ea typeface="Open Sans"/>
+                <a:cs typeface="Open Sans"/>
+                <a:sym typeface="Open Sans"/>
+              </a:rPr>
+              <a:t> </a:t>
+            </a:r>
+            <a:r>
+              <a:rPr lang="de-DE" sz="1200" dirty="0" err="1" smtClean="0">
+                <a:solidFill>
+                  <a:schemeClr val="tx1"/>
+                </a:solidFill>
+                <a:latin typeface="Open Sans"/>
+                <a:ea typeface="Open Sans"/>
+                <a:cs typeface="Open Sans"/>
+                <a:sym typeface="Open Sans"/>
+              </a:rPr>
+              <a:t>or</a:t>
+            </a:r>
+            <a:r>
+              <a:rPr lang="de-DE" sz="1200" dirty="0" smtClean="0">
+                <a:solidFill>
+                  <a:schemeClr val="tx1"/>
+                </a:solidFill>
+                <a:latin typeface="Open Sans"/>
+                <a:ea typeface="Open Sans"/>
+                <a:cs typeface="Open Sans"/>
+                <a:sym typeface="Open Sans"/>
+              </a:rPr>
+              <a:t> differential </a:t>
+            </a:r>
+            <a:r>
+              <a:rPr lang="de-DE" sz="1200" dirty="0" err="1" smtClean="0">
+                <a:solidFill>
+                  <a:schemeClr val="tx1"/>
+                </a:solidFill>
+                <a:latin typeface="Open Sans"/>
+                <a:ea typeface="Open Sans"/>
+                <a:cs typeface="Open Sans"/>
+                <a:sym typeface="Open Sans"/>
+              </a:rPr>
+              <a:t>signalling</a:t>
+            </a:r>
+            <a:r>
+              <a:rPr lang="de-DE" sz="1200" dirty="0" smtClean="0">
+                <a:solidFill>
+                  <a:schemeClr val="tx1"/>
+                </a:solidFill>
+                <a:latin typeface="Open Sans"/>
+                <a:ea typeface="Open Sans"/>
+                <a:cs typeface="Open Sans"/>
+                <a:sym typeface="Open Sans"/>
+              </a:rPr>
+              <a:t>, </a:t>
+            </a:r>
+            <a:r>
+              <a:rPr lang="de-DE" sz="1200" dirty="0" err="1" smtClean="0">
+                <a:solidFill>
+                  <a:schemeClr val="tx1"/>
+                </a:solidFill>
+                <a:latin typeface="Open Sans"/>
+                <a:ea typeface="Open Sans"/>
+                <a:cs typeface="Open Sans"/>
+                <a:sym typeface="Open Sans"/>
+              </a:rPr>
+              <a:t>microcontroller</a:t>
+            </a:r>
+            <a:r>
+              <a:rPr lang="de-DE" sz="1200" dirty="0" smtClean="0">
+                <a:solidFill>
+                  <a:schemeClr val="tx1"/>
+                </a:solidFill>
+                <a:latin typeface="Open Sans"/>
+                <a:ea typeface="Open Sans"/>
+                <a:cs typeface="Open Sans"/>
+                <a:sym typeface="Open Sans"/>
+              </a:rPr>
+              <a:t> (</a:t>
+            </a:r>
+            <a:r>
+              <a:rPr lang="de-DE" sz="1200" dirty="0" err="1" smtClean="0">
+                <a:solidFill>
+                  <a:schemeClr val="tx1"/>
+                </a:solidFill>
+                <a:latin typeface="Open Sans"/>
+                <a:ea typeface="Open Sans"/>
+                <a:cs typeface="Open Sans"/>
+                <a:sym typeface="Open Sans"/>
+              </a:rPr>
+              <a:t>raspberry</a:t>
+            </a:r>
+            <a:r>
+              <a:rPr lang="de-DE" sz="1200" dirty="0" smtClean="0">
+                <a:solidFill>
+                  <a:schemeClr val="tx1"/>
+                </a:solidFill>
+                <a:latin typeface="Open Sans"/>
+                <a:ea typeface="Open Sans"/>
+                <a:cs typeface="Open Sans"/>
+                <a:sym typeface="Open Sans"/>
+              </a:rPr>
+              <a:t> </a:t>
+            </a:r>
+            <a:r>
+              <a:rPr lang="de-DE" sz="1200" dirty="0" err="1" smtClean="0">
+                <a:solidFill>
+                  <a:schemeClr val="tx1"/>
+                </a:solidFill>
+                <a:latin typeface="Open Sans"/>
+                <a:ea typeface="Open Sans"/>
+                <a:cs typeface="Open Sans"/>
+                <a:sym typeface="Open Sans"/>
+              </a:rPr>
+              <a:t>pie</a:t>
+            </a:r>
+            <a:r>
+              <a:rPr lang="de-DE" sz="1200" dirty="0" smtClean="0">
+                <a:solidFill>
+                  <a:schemeClr val="tx1"/>
+                </a:solidFill>
+                <a:latin typeface="Open Sans"/>
+                <a:ea typeface="Open Sans"/>
+                <a:cs typeface="Open Sans"/>
+                <a:sym typeface="Open Sans"/>
+              </a:rPr>
+              <a:t>).</a:t>
             </a:r>
           </a:p>
           <a:p>
@@ -6573,17 +7188,122 @@
               <a:buNone/>
             </a:pPr>
             <a:r>
-              <a:rPr lang="de-DE" sz="1200">
-                <a:solidFill>
-                  <a:srgbClr val="4A86E8"/>
-                </a:solidFill>
-                <a:latin typeface="Open Sans"/>
-                <a:ea typeface="Open Sans"/>
-                <a:cs typeface="Open Sans"/>
-                <a:sym typeface="Open Sans"/>
-              </a:rPr>
-              <a:t>Rasperry Pi, SD, Software, Screen</a:t>
-            </a:r>
+              <a:rPr lang="de-DE" sz="1200" dirty="0" smtClean="0">
+                <a:solidFill>
+                  <a:schemeClr val="tx1"/>
+                </a:solidFill>
+                <a:latin typeface="Open Sans"/>
+                <a:ea typeface="Open Sans"/>
+                <a:cs typeface="Open Sans"/>
+                <a:sym typeface="Open Sans"/>
+              </a:rPr>
+              <a:t>-Input </a:t>
+            </a:r>
+            <a:r>
+              <a:rPr lang="de-DE" sz="1200" dirty="0" err="1" smtClean="0">
+                <a:solidFill>
+                  <a:schemeClr val="tx1"/>
+                </a:solidFill>
+                <a:latin typeface="Open Sans"/>
+                <a:ea typeface="Open Sans"/>
+                <a:cs typeface="Open Sans"/>
+                <a:sym typeface="Open Sans"/>
+              </a:rPr>
+              <a:t>from</a:t>
+            </a:r>
+            <a:r>
+              <a:rPr lang="de-DE" sz="1200" dirty="0" smtClean="0">
+                <a:solidFill>
+                  <a:schemeClr val="tx1"/>
+                </a:solidFill>
+                <a:latin typeface="Open Sans"/>
+                <a:ea typeface="Open Sans"/>
+                <a:cs typeface="Open Sans"/>
+                <a:sym typeface="Open Sans"/>
+              </a:rPr>
+              <a:t> </a:t>
+            </a:r>
+            <a:r>
+              <a:rPr lang="de-DE" sz="1200" dirty="0" err="1" smtClean="0">
+                <a:solidFill>
+                  <a:schemeClr val="tx1"/>
+                </a:solidFill>
+                <a:latin typeface="Open Sans"/>
+                <a:ea typeface="Open Sans"/>
+                <a:cs typeface="Open Sans"/>
+                <a:sym typeface="Open Sans"/>
+              </a:rPr>
+              <a:t>mentor</a:t>
+            </a:r>
+            <a:r>
+              <a:rPr lang="de-DE" sz="1200" dirty="0" smtClean="0">
+                <a:solidFill>
+                  <a:schemeClr val="tx1"/>
+                </a:solidFill>
+                <a:latin typeface="Open Sans"/>
+                <a:ea typeface="Open Sans"/>
+                <a:cs typeface="Open Sans"/>
+                <a:sym typeface="Open Sans"/>
+              </a:rPr>
+              <a:t> (Kira) </a:t>
+            </a:r>
+            <a:r>
+              <a:rPr lang="de-DE" sz="1200" dirty="0" err="1" smtClean="0">
+                <a:solidFill>
+                  <a:schemeClr val="tx1"/>
+                </a:solidFill>
+                <a:latin typeface="Open Sans"/>
+                <a:ea typeface="Open Sans"/>
+                <a:cs typeface="Open Sans"/>
+                <a:sym typeface="Open Sans"/>
+              </a:rPr>
+              <a:t>and</a:t>
+            </a:r>
+            <a:r>
+              <a:rPr lang="de-DE" sz="1200" dirty="0" smtClean="0">
+                <a:solidFill>
+                  <a:schemeClr val="tx1"/>
+                </a:solidFill>
+                <a:latin typeface="Open Sans"/>
+                <a:ea typeface="Open Sans"/>
+                <a:cs typeface="Open Sans"/>
+                <a:sym typeface="Open Sans"/>
+              </a:rPr>
+              <a:t> (</a:t>
+            </a:r>
+            <a:r>
+              <a:rPr lang="de-DE" sz="1200" dirty="0" err="1" smtClean="0">
+                <a:solidFill>
+                  <a:schemeClr val="tx1"/>
+                </a:solidFill>
+                <a:latin typeface="Open Sans"/>
+                <a:ea typeface="Open Sans"/>
+                <a:cs typeface="Open Sans"/>
+                <a:sym typeface="Open Sans"/>
+              </a:rPr>
+              <a:t>possibly</a:t>
+            </a:r>
+            <a:r>
+              <a:rPr lang="de-DE" sz="1200" dirty="0" smtClean="0">
+                <a:solidFill>
+                  <a:schemeClr val="tx1"/>
+                </a:solidFill>
+                <a:latin typeface="Open Sans"/>
+                <a:ea typeface="Open Sans"/>
+                <a:cs typeface="Open Sans"/>
+                <a:sym typeface="Open Sans"/>
+              </a:rPr>
+              <a:t>) Dante (expert)</a:t>
+            </a:r>
+            <a:endParaRPr lang="de-DE" sz="1200" dirty="0">
+              <a:solidFill>
+                <a:schemeClr val="tx1"/>
+              </a:solidFill>
+              <a:latin typeface="Open Sans"/>
+              <a:ea typeface="Open Sans"/>
+              <a:cs typeface="Open Sans"/>
+              <a:sym typeface="Open Sans"/>
+            </a:endParaRPr>
           </a:p>
         </p:txBody>
       </p:sp>
@@ -6613,20 +7333,53 @@
           <a:lstStyle/>
           <a:p>
             <a:r>
-              <a:rPr lang="nl-NL" sz="1200" err="1">
-                <a:solidFill>
-                  <a:srgbClr val="4A86E8"/>
-                </a:solidFill>
-                <a:latin typeface="Open Sans"/>
-                <a:ea typeface="Open Sans"/>
-                <a:cs typeface="Open Sans"/>
-              </a:rPr>
-              <a:t>You</a:t>
-            </a:r>
-            <a:r>
-              <a:rPr lang="nl-NL" sz="1200">
-                <a:solidFill>
-                  <a:srgbClr val="4A86E8"/>
+              <a:rPr lang="nl-NL" sz="1200" dirty="0" smtClean="0">
+                <a:solidFill>
+                  <a:schemeClr val="tx1"/>
+                </a:solidFill>
+                <a:latin typeface="Open Sans"/>
+                <a:ea typeface="Open Sans"/>
+                <a:cs typeface="Open Sans"/>
+              </a:rPr>
+              <a:t>-For </a:t>
+            </a:r>
+            <a:r>
+              <a:rPr lang="nl-NL" sz="1200" dirty="0" err="1" smtClean="0">
+                <a:solidFill>
+                  <a:schemeClr val="tx1"/>
+                </a:solidFill>
+                <a:latin typeface="Open Sans"/>
+                <a:ea typeface="Open Sans"/>
+                <a:cs typeface="Open Sans"/>
+              </a:rPr>
+              <a:t>the</a:t>
+            </a:r>
+            <a:r>
+              <a:rPr lang="nl-NL" sz="1200" dirty="0" smtClean="0">
+                <a:solidFill>
+                  <a:schemeClr val="tx1"/>
+                </a:solidFill>
+                <a:latin typeface="Open Sans"/>
+                <a:ea typeface="Open Sans"/>
+                <a:cs typeface="Open Sans"/>
+              </a:rPr>
+              <a:t> box </a:t>
+            </a:r>
+            <a:r>
+              <a:rPr lang="nl-NL" sz="1200" dirty="0" err="1" smtClean="0">
+                <a:solidFill>
+                  <a:schemeClr val="tx1"/>
+                </a:solidFill>
+                <a:latin typeface="Open Sans"/>
+                <a:ea typeface="Open Sans"/>
+                <a:cs typeface="Open Sans"/>
+              </a:rPr>
+              <a:t>to</a:t>
+            </a:r>
+            <a:r>
+              <a:rPr lang="nl-NL" sz="1200" dirty="0" smtClean="0">
+                <a:solidFill>
+                  <a:schemeClr val="tx1"/>
                 </a:solidFill>
                 <a:latin typeface="Open Sans"/>
                 <a:ea typeface="Open Sans"/>
@@ -6635,20 +7388,64 @@
               <a:t> </a:t>
             </a:r>
             <a:r>
-              <a:rPr lang="nl-NL" sz="1200" err="1">
-                <a:solidFill>
-                  <a:srgbClr val="4A86E8"/>
-                </a:solidFill>
-                <a:latin typeface="Open Sans"/>
-                <a:ea typeface="Open Sans"/>
-                <a:cs typeface="Open Sans"/>
-              </a:rPr>
-              <a:t>shall</a:t>
-            </a:r>
-            <a:r>
-              <a:rPr lang="nl-NL" sz="1200">
-                <a:solidFill>
-                  <a:srgbClr val="4A86E8"/>
+              <a:rPr lang="nl-NL" sz="1200" dirty="0" err="1" smtClean="0">
+                <a:solidFill>
+                  <a:schemeClr val="tx1"/>
+                </a:solidFill>
+                <a:latin typeface="Open Sans"/>
+                <a:ea typeface="Open Sans"/>
+                <a:cs typeface="Open Sans"/>
+              </a:rPr>
+              <a:t>function</a:t>
+            </a:r>
+            <a:r>
+              <a:rPr lang="nl-NL" sz="1200" dirty="0" smtClean="0">
+                <a:solidFill>
+                  <a:schemeClr val="tx1"/>
+                </a:solidFill>
+                <a:latin typeface="Open Sans"/>
+                <a:ea typeface="Open Sans"/>
+                <a:cs typeface="Open Sans"/>
+              </a:rPr>
+              <a:t> as </a:t>
+            </a:r>
+            <a:r>
+              <a:rPr lang="nl-NL" sz="1200" dirty="0" err="1" smtClean="0">
+                <a:solidFill>
+                  <a:schemeClr val="tx1"/>
+                </a:solidFill>
+                <a:latin typeface="Open Sans"/>
+                <a:ea typeface="Open Sans"/>
+                <a:cs typeface="Open Sans"/>
+              </a:rPr>
+              <a:t>intended</a:t>
+            </a:r>
+            <a:r>
+              <a:rPr lang="nl-NL" sz="1200" dirty="0" smtClean="0">
+                <a:solidFill>
+                  <a:schemeClr val="tx1"/>
+                </a:solidFill>
+                <a:latin typeface="Open Sans"/>
+                <a:ea typeface="Open Sans"/>
+                <a:cs typeface="Open Sans"/>
+              </a:rPr>
+              <a:t> in </a:t>
+            </a:r>
+            <a:r>
+              <a:rPr lang="nl-NL" sz="1200" dirty="0" err="1" smtClean="0">
+                <a:solidFill>
+                  <a:schemeClr val="tx1"/>
+                </a:solidFill>
+                <a:latin typeface="Open Sans"/>
+                <a:ea typeface="Open Sans"/>
+                <a:cs typeface="Open Sans"/>
+              </a:rPr>
+              <a:t>its</a:t>
+            </a:r>
+            <a:r>
+              <a:rPr lang="nl-NL" sz="1200" dirty="0" smtClean="0">
+                <a:solidFill>
+                  <a:schemeClr val="tx1"/>
                 </a:solidFill>
                 <a:latin typeface="Open Sans"/>
                 <a:ea typeface="Open Sans"/>
@@ -6657,20 +7454,42 @@
               <a:t> </a:t>
             </a:r>
             <a:r>
-              <a:rPr lang="nl-NL" sz="1200" err="1">
-                <a:solidFill>
-                  <a:srgbClr val="4A86E8"/>
-                </a:solidFill>
-                <a:latin typeface="Open Sans"/>
-                <a:ea typeface="Open Sans"/>
-                <a:cs typeface="Open Sans"/>
-              </a:rPr>
-              <a:t>not</a:t>
-            </a:r>
-            <a:r>
-              <a:rPr lang="nl-NL" sz="1200">
-                <a:solidFill>
-                  <a:srgbClr val="4A86E8"/>
+              <a:rPr lang="nl-NL" sz="1200" dirty="0" err="1" smtClean="0">
+                <a:solidFill>
+                  <a:schemeClr val="tx1"/>
+                </a:solidFill>
+                <a:latin typeface="Open Sans"/>
+                <a:ea typeface="Open Sans"/>
+                <a:cs typeface="Open Sans"/>
+              </a:rPr>
+              <a:t>entirety</a:t>
+            </a:r>
+            <a:r>
+              <a:rPr lang="nl-NL" sz="1200" dirty="0" smtClean="0">
+                <a:solidFill>
+                  <a:schemeClr val="tx1"/>
+                </a:solidFill>
+                <a:latin typeface="Open Sans"/>
+                <a:ea typeface="Open Sans"/>
+                <a:cs typeface="Open Sans"/>
+              </a:rPr>
+              <a:t>, data transfer </a:t>
+            </a:r>
+            <a:r>
+              <a:rPr lang="nl-NL" sz="1200" dirty="0" err="1" smtClean="0">
+                <a:solidFill>
+                  <a:schemeClr val="tx1"/>
+                </a:solidFill>
+                <a:latin typeface="Open Sans"/>
+                <a:ea typeface="Open Sans"/>
+                <a:cs typeface="Open Sans"/>
+              </a:rPr>
+              <a:t>between</a:t>
+            </a:r>
+            <a:r>
+              <a:rPr lang="nl-NL" sz="1200" dirty="0" smtClean="0">
+                <a:solidFill>
+                  <a:schemeClr val="tx1"/>
                 </a:solidFill>
                 <a:latin typeface="Open Sans"/>
                 <a:ea typeface="Open Sans"/>
@@ -6679,20 +7498,42 @@
               <a:t> </a:t>
             </a:r>
             <a:r>
-              <a:rPr lang="nl-NL" sz="1200" err="1">
-                <a:solidFill>
-                  <a:srgbClr val="4A86E8"/>
-                </a:solidFill>
-                <a:latin typeface="Open Sans"/>
-                <a:ea typeface="Open Sans"/>
-                <a:cs typeface="Open Sans"/>
-              </a:rPr>
-              <a:t>worry</a:t>
-            </a:r>
-            <a:r>
-              <a:rPr lang="nl-NL" sz="1200">
-                <a:solidFill>
-                  <a:srgbClr val="4A86E8"/>
+              <a:rPr lang="nl-NL" sz="1200" dirty="0" err="1" smtClean="0">
+                <a:solidFill>
+                  <a:schemeClr val="tx1"/>
+                </a:solidFill>
+                <a:latin typeface="Open Sans"/>
+                <a:ea typeface="Open Sans"/>
+                <a:cs typeface="Open Sans"/>
+              </a:rPr>
+              <a:t>measurement</a:t>
+            </a:r>
+            <a:r>
+              <a:rPr lang="nl-NL" sz="1200" dirty="0" smtClean="0">
+                <a:solidFill>
+                  <a:schemeClr val="tx1"/>
+                </a:solidFill>
+                <a:latin typeface="Open Sans"/>
+                <a:ea typeface="Open Sans"/>
+                <a:cs typeface="Open Sans"/>
+              </a:rPr>
+              <a:t> stations/sensors </a:t>
+            </a:r>
+            <a:r>
+              <a:rPr lang="nl-NL" sz="1200" dirty="0" err="1" smtClean="0">
+                <a:solidFill>
+                  <a:schemeClr val="tx1"/>
+                </a:solidFill>
+                <a:latin typeface="Open Sans"/>
+                <a:ea typeface="Open Sans"/>
+                <a:cs typeface="Open Sans"/>
+              </a:rPr>
+              <a:t>needs</a:t>
+            </a:r>
+            <a:r>
+              <a:rPr lang="nl-NL" sz="1200" dirty="0" smtClean="0">
+                <a:solidFill>
+                  <a:schemeClr val="tx1"/>
                 </a:solidFill>
                 <a:latin typeface="Open Sans"/>
                 <a:ea typeface="Open Sans"/>
@@ -6701,42 +7542,20 @@
               <a:t> </a:t>
             </a:r>
             <a:r>
-              <a:rPr lang="nl-NL" sz="1200" err="1">
-                <a:solidFill>
-                  <a:srgbClr val="4A86E8"/>
-                </a:solidFill>
-                <a:latin typeface="Open Sans"/>
-                <a:ea typeface="Open Sans"/>
-                <a:cs typeface="Open Sans"/>
-              </a:rPr>
-              <a:t>about</a:t>
-            </a:r>
-            <a:r>
-              <a:rPr lang="nl-NL" sz="1200">
-                <a:solidFill>
-                  <a:srgbClr val="4A86E8"/>
-                </a:solidFill>
-                <a:latin typeface="Open Sans"/>
-                <a:ea typeface="Open Sans"/>
-                <a:cs typeface="Open Sans"/>
-              </a:rPr>
-              <a:t> transferring </a:t>
-            </a:r>
-            <a:r>
-              <a:rPr lang="nl-NL" sz="1200" err="1">
-                <a:solidFill>
-                  <a:srgbClr val="4A86E8"/>
-                </a:solidFill>
-                <a:latin typeface="Open Sans"/>
-                <a:ea typeface="Open Sans"/>
-                <a:cs typeface="Open Sans"/>
-              </a:rPr>
-              <a:t>and</a:t>
-            </a:r>
-            <a:r>
-              <a:rPr lang="nl-NL" sz="1200">
-                <a:solidFill>
-                  <a:srgbClr val="4A86E8"/>
+              <a:rPr lang="nl-NL" sz="1200" dirty="0" err="1" smtClean="0">
+                <a:solidFill>
+                  <a:schemeClr val="tx1"/>
+                </a:solidFill>
+                <a:latin typeface="Open Sans"/>
+                <a:ea typeface="Open Sans"/>
+                <a:cs typeface="Open Sans"/>
+              </a:rPr>
+              <a:t>to</a:t>
+            </a:r>
+            <a:r>
+              <a:rPr lang="nl-NL" sz="1200" dirty="0" smtClean="0">
+                <a:solidFill>
+                  <a:schemeClr val="tx1"/>
                 </a:solidFill>
                 <a:latin typeface="Open Sans"/>
                 <a:ea typeface="Open Sans"/>
@@ -6745,42 +7564,20 @@
               <a:t> </a:t>
             </a:r>
             <a:r>
-              <a:rPr lang="nl-NL" sz="1200" err="1">
-                <a:solidFill>
-                  <a:srgbClr val="4A86E8"/>
-                </a:solidFill>
-                <a:latin typeface="Open Sans"/>
-                <a:ea typeface="Open Sans"/>
-                <a:cs typeface="Open Sans"/>
-              </a:rPr>
-              <a:t>saving</a:t>
-            </a:r>
-            <a:r>
-              <a:rPr lang="nl-NL" sz="1200">
-                <a:solidFill>
-                  <a:srgbClr val="4A86E8"/>
-                </a:solidFill>
-                <a:latin typeface="Open Sans"/>
-                <a:ea typeface="Open Sans"/>
-                <a:cs typeface="Open Sans"/>
-              </a:rPr>
-              <a:t> data (in </a:t>
-            </a:r>
-            <a:r>
-              <a:rPr lang="nl-NL" sz="1200" err="1">
-                <a:solidFill>
-                  <a:srgbClr val="4A86E8"/>
-                </a:solidFill>
-                <a:latin typeface="Open Sans"/>
-                <a:ea typeface="Open Sans"/>
-                <a:cs typeface="Open Sans"/>
-              </a:rPr>
-              <a:t>combination</a:t>
-            </a:r>
-            <a:r>
-              <a:rPr lang="nl-NL" sz="1200">
-                <a:solidFill>
-                  <a:srgbClr val="4A86E8"/>
+              <a:rPr lang="nl-NL" sz="1200" dirty="0" err="1" smtClean="0">
+                <a:solidFill>
+                  <a:schemeClr val="tx1"/>
+                </a:solidFill>
+                <a:latin typeface="Open Sans"/>
+                <a:ea typeface="Open Sans"/>
+                <a:cs typeface="Open Sans"/>
+              </a:rPr>
+              <a:t>be</a:t>
+            </a:r>
+            <a:r>
+              <a:rPr lang="nl-NL" sz="1200" dirty="0" smtClean="0">
+                <a:solidFill>
+                  <a:schemeClr val="tx1"/>
                 </a:solidFill>
                 <a:latin typeface="Open Sans"/>
                 <a:ea typeface="Open Sans"/>
@@ -6789,42 +7586,20 @@
               <a:t> </a:t>
             </a:r>
             <a:r>
-              <a:rPr lang="nl-NL" sz="1200" err="1">
-                <a:solidFill>
-                  <a:srgbClr val="4A86E8"/>
-                </a:solidFill>
-                <a:latin typeface="Open Sans"/>
-                <a:ea typeface="Open Sans"/>
-                <a:cs typeface="Open Sans"/>
-              </a:rPr>
-              <a:t>with</a:t>
-            </a:r>
-            <a:r>
-              <a:rPr lang="nl-NL" sz="1200">
-                <a:solidFill>
-                  <a:srgbClr val="4A86E8"/>
-                </a:solidFill>
-                <a:latin typeface="Open Sans"/>
-                <a:ea typeface="Open Sans"/>
-                <a:cs typeface="Open Sans"/>
-              </a:rPr>
-              <a:t> software </a:t>
-            </a:r>
-            <a:r>
-              <a:rPr lang="nl-NL" sz="1200" err="1">
-                <a:solidFill>
-                  <a:srgbClr val="4A86E8"/>
-                </a:solidFill>
-                <a:latin typeface="Open Sans"/>
-                <a:ea typeface="Open Sans"/>
-                <a:cs typeface="Open Sans"/>
-              </a:rPr>
-              <a:t>group</a:t>
-            </a:r>
-            <a:r>
-              <a:rPr lang="nl-NL" sz="1200">
-                <a:solidFill>
-                  <a:srgbClr val="4A86E8"/>
+              <a:rPr lang="nl-NL" sz="1200" dirty="0" err="1" smtClean="0">
+                <a:solidFill>
+                  <a:schemeClr val="tx1"/>
+                </a:solidFill>
+                <a:latin typeface="Open Sans"/>
+                <a:ea typeface="Open Sans"/>
+                <a:cs typeface="Open Sans"/>
+              </a:rPr>
+              <a:t>transferred</a:t>
+            </a:r>
+            <a:r>
+              <a:rPr lang="nl-NL" sz="1200" dirty="0" smtClean="0">
+                <a:solidFill>
+                  <a:schemeClr val="tx1"/>
                 </a:solidFill>
                 <a:latin typeface="Open Sans"/>
                 <a:ea typeface="Open Sans"/>
@@ -6833,32 +7608,107 @@
               <a:t> </a:t>
             </a:r>
             <a:r>
-              <a:rPr lang="nl-NL" sz="1200" err="1">
-                <a:solidFill>
-                  <a:srgbClr val="4A86E8"/>
-                </a:solidFill>
-                <a:latin typeface="Open Sans"/>
-                <a:ea typeface="Open Sans"/>
-                <a:cs typeface="Open Sans"/>
-              </a:rPr>
-              <a:t>that</a:t>
-            </a:r>
-            <a:r>
-              <a:rPr lang="nl-NL" sz="1200">
-                <a:solidFill>
-                  <a:srgbClr val="4A86E8"/>
-                </a:solidFill>
-                <a:latin typeface="Open Sans"/>
-                <a:ea typeface="Open Sans"/>
-                <a:cs typeface="Open Sans"/>
-              </a:rPr>
-              <a:t> is).</a:t>
-            </a:r>
-          </a:p>
-          <a:p>
-            <a:endParaRPr lang="nl-NL" sz="1200">
+              <a:rPr lang="nl-NL" sz="1200" dirty="0" err="1" smtClean="0">
+                <a:solidFill>
+                  <a:schemeClr val="tx1"/>
+                </a:solidFill>
+                <a:latin typeface="Open Sans"/>
+                <a:ea typeface="Open Sans"/>
+                <a:cs typeface="Open Sans"/>
+              </a:rPr>
+              <a:t>to</a:t>
+            </a:r>
+            <a:r>
+              <a:rPr lang="nl-NL" sz="1200" dirty="0" smtClean="0">
+                <a:solidFill>
+                  <a:schemeClr val="tx1"/>
+                </a:solidFill>
+                <a:latin typeface="Open Sans"/>
+                <a:ea typeface="Open Sans"/>
+                <a:cs typeface="Open Sans"/>
+              </a:rPr>
+              <a:t> a </a:t>
+            </a:r>
+            <a:r>
+              <a:rPr lang="nl-NL" sz="1200" dirty="0" err="1" smtClean="0">
+                <a:solidFill>
+                  <a:schemeClr val="tx1"/>
+                </a:solidFill>
+                <a:latin typeface="Open Sans"/>
+                <a:ea typeface="Open Sans"/>
+                <a:cs typeface="Open Sans"/>
+              </a:rPr>
+              <a:t>central</a:t>
+            </a:r>
+            <a:r>
+              <a:rPr lang="nl-NL" sz="1200" dirty="0" smtClean="0">
+                <a:solidFill>
+                  <a:schemeClr val="tx1"/>
+                </a:solidFill>
+                <a:latin typeface="Open Sans"/>
+                <a:ea typeface="Open Sans"/>
+                <a:cs typeface="Open Sans"/>
+              </a:rPr>
+              <a:t> </a:t>
+            </a:r>
+            <a:r>
+              <a:rPr lang="nl-NL" sz="1200" dirty="0" err="1" smtClean="0">
+                <a:solidFill>
+                  <a:schemeClr val="tx1"/>
+                </a:solidFill>
+                <a:latin typeface="Open Sans"/>
+                <a:ea typeface="Open Sans"/>
+                <a:cs typeface="Open Sans"/>
+              </a:rPr>
+              <a:t>place</a:t>
+            </a:r>
+            <a:r>
+              <a:rPr lang="nl-NL" sz="1200" dirty="0" smtClean="0">
+                <a:solidFill>
+                  <a:schemeClr val="tx1"/>
+                </a:solidFill>
+                <a:latin typeface="Open Sans"/>
+                <a:ea typeface="Open Sans"/>
+                <a:cs typeface="Open Sans"/>
+              </a:rPr>
+              <a:t> </a:t>
+            </a:r>
+            <a:r>
+              <a:rPr lang="nl-NL" sz="1200" dirty="0" err="1" smtClean="0">
+                <a:solidFill>
+                  <a:schemeClr val="tx1"/>
+                </a:solidFill>
+                <a:latin typeface="Open Sans"/>
+                <a:ea typeface="Open Sans"/>
+                <a:cs typeface="Open Sans"/>
+              </a:rPr>
+              <a:t>for</a:t>
+            </a:r>
+            <a:r>
+              <a:rPr lang="nl-NL" sz="1200" dirty="0" smtClean="0">
+                <a:solidFill>
+                  <a:schemeClr val="tx1"/>
+                </a:solidFill>
+                <a:latin typeface="Open Sans"/>
+                <a:ea typeface="Open Sans"/>
+                <a:cs typeface="Open Sans"/>
+              </a:rPr>
+              <a:t> display/</a:t>
+            </a:r>
+            <a:r>
+              <a:rPr lang="nl-NL" sz="1200" dirty="0" err="1" smtClean="0">
+                <a:solidFill>
+                  <a:schemeClr val="tx1"/>
+                </a:solidFill>
+                <a:latin typeface="Open Sans"/>
+                <a:ea typeface="Open Sans"/>
+                <a:cs typeface="Open Sans"/>
+              </a:rPr>
+              <a:t>extraction</a:t>
+            </a:r>
+            <a:endParaRPr lang="nl-NL" sz="1200" dirty="0" smtClean="0">
               <a:solidFill>
-                <a:srgbClr val="4A86E8"/>
+                <a:schemeClr val="tx1"/>
               </a:solidFill>
               <a:latin typeface="Open Sans"/>
               <a:ea typeface="Open Sans"/>
@@ -6866,32 +7716,31 @@
             </a:endParaRPr>
           </a:p>
           <a:p>
-            <a:r>
-              <a:rPr lang="nl-NL" sz="1200" err="1">
-                <a:solidFill>
-                  <a:srgbClr val="4A86E8"/>
-                </a:solidFill>
-                <a:latin typeface="Open Sans"/>
-                <a:ea typeface="Open Sans"/>
-                <a:cs typeface="Open Sans"/>
-              </a:rPr>
-              <a:t>Collecting</a:t>
-            </a:r>
-            <a:r>
-              <a:rPr lang="nl-NL" sz="1200">
-                <a:solidFill>
-                  <a:srgbClr val="4A86E8"/>
-                </a:solidFill>
-                <a:latin typeface="Open Sans"/>
-                <a:ea typeface="Open Sans"/>
-                <a:cs typeface="Open Sans"/>
-              </a:rPr>
-              <a:t> input </a:t>
-            </a:r>
-            <a:r>
-              <a:rPr lang="nl-NL" sz="1200" err="1">
-                <a:solidFill>
-                  <a:srgbClr val="4A86E8"/>
+            <a:endParaRPr lang="nl-NL" sz="1200" dirty="0">
+              <a:solidFill>
+                <a:schemeClr val="tx1"/>
+              </a:solidFill>
+              <a:latin typeface="Open Sans"/>
+              <a:ea typeface="Open Sans"/>
+              <a:cs typeface="Open Sans"/>
+            </a:endParaRPr>
+          </a:p>
+          <a:p>
+            <a:r>
+              <a:rPr lang="nl-NL" sz="1200" dirty="0" smtClean="0">
+                <a:solidFill>
+                  <a:schemeClr val="tx1"/>
+                </a:solidFill>
+                <a:latin typeface="Open Sans"/>
+                <a:ea typeface="Open Sans"/>
+                <a:cs typeface="Open Sans"/>
+              </a:rPr>
+              <a:t>-Input </a:t>
+            </a:r>
+            <a:r>
+              <a:rPr lang="nl-NL" sz="1200" dirty="0" err="1" smtClean="0">
+                <a:solidFill>
+                  <a:schemeClr val="tx1"/>
                 </a:solidFill>
                 <a:latin typeface="Open Sans"/>
                 <a:ea typeface="Open Sans"/>
@@ -6900,20 +7749,31 @@
               <a:t>and</a:t>
             </a:r>
             <a:r>
-              <a:rPr lang="nl-NL" sz="1200">
-                <a:solidFill>
-                  <a:srgbClr val="4A86E8"/>
-                </a:solidFill>
-                <a:latin typeface="Open Sans"/>
-                <a:ea typeface="Open Sans"/>
-                <a:cs typeface="Open Sans"/>
-              </a:rPr>
-              <a:t> output </a:t>
-            </a:r>
-            <a:r>
-              <a:rPr lang="nl-NL" sz="1200" err="1">
-                <a:solidFill>
-                  <a:srgbClr val="4A86E8"/>
+              <a:rPr lang="nl-NL" sz="1200" dirty="0" smtClean="0">
+                <a:solidFill>
+                  <a:schemeClr val="tx1"/>
+                </a:solidFill>
+                <a:latin typeface="Open Sans"/>
+                <a:ea typeface="Open Sans"/>
+                <a:cs typeface="Open Sans"/>
+              </a:rPr>
+              <a:t> </a:t>
+            </a:r>
+            <a:r>
+              <a:rPr lang="nl-NL" sz="1200" dirty="0">
+                <a:solidFill>
+                  <a:schemeClr val="tx1"/>
+                </a:solidFill>
+                <a:latin typeface="Open Sans"/>
+                <a:ea typeface="Open Sans"/>
+                <a:cs typeface="Open Sans"/>
+              </a:rPr>
+              <a:t>output </a:t>
+            </a:r>
+            <a:r>
+              <a:rPr lang="nl-NL" sz="1200" dirty="0" err="1">
+                <a:solidFill>
+                  <a:schemeClr val="tx1"/>
                 </a:solidFill>
                 <a:latin typeface="Open Sans"/>
                 <a:ea typeface="Open Sans"/>
@@ -6922,9 +7782,9 @@
               <a:t>ideas</a:t>
             </a:r>
             <a:r>
-              <a:rPr lang="nl-NL" sz="1200">
-                <a:solidFill>
-                  <a:srgbClr val="4A86E8"/>
+              <a:rPr lang="nl-NL" sz="1200" dirty="0">
+                <a:solidFill>
+                  <a:schemeClr val="tx1"/>
                 </a:solidFill>
                 <a:latin typeface="Open Sans"/>
                 <a:ea typeface="Open Sans"/>
@@ -6933,9 +7793,9 @@
               <a:t> of </a:t>
             </a:r>
             <a:r>
-              <a:rPr lang="nl-NL" sz="1200" err="1">
-                <a:solidFill>
-                  <a:srgbClr val="4A86E8"/>
+              <a:rPr lang="nl-NL" sz="1200" dirty="0" err="1">
+                <a:solidFill>
+                  <a:schemeClr val="tx1"/>
                 </a:solidFill>
                 <a:latin typeface="Open Sans"/>
                 <a:ea typeface="Open Sans"/>
@@ -6944,9 +7804,9 @@
               <a:t>other</a:t>
             </a:r>
             <a:r>
-              <a:rPr lang="nl-NL" sz="1200">
-                <a:solidFill>
-                  <a:srgbClr val="4A86E8"/>
+              <a:rPr lang="nl-NL" sz="1200" dirty="0">
+                <a:solidFill>
+                  <a:schemeClr val="tx1"/>
                 </a:solidFill>
                 <a:latin typeface="Open Sans"/>
                 <a:ea typeface="Open Sans"/>
@@ -6955,9 +7815,9 @@
               <a:t> </a:t>
             </a:r>
             <a:r>
-              <a:rPr lang="nl-NL" sz="1200" err="1">
-                <a:solidFill>
-                  <a:srgbClr val="4A86E8"/>
+              <a:rPr lang="nl-NL" sz="1200" dirty="0" err="1">
+                <a:solidFill>
+                  <a:schemeClr val="tx1"/>
                 </a:solidFill>
                 <a:latin typeface="Open Sans"/>
                 <a:ea typeface="Open Sans"/>
@@ -6966,9 +7826,9 @@
               <a:t>groups</a:t>
             </a:r>
             <a:r>
-              <a:rPr lang="nl-NL" sz="1200">
-                <a:solidFill>
-                  <a:srgbClr val="4A86E8"/>
+              <a:rPr lang="nl-NL" sz="1200" dirty="0">
+                <a:solidFill>
+                  <a:schemeClr val="tx1"/>
                 </a:solidFill>
                 <a:latin typeface="Open Sans"/>
                 <a:ea typeface="Open Sans"/>
@@ -6977,9 +7837,97 @@
               <a:t> </a:t>
             </a:r>
             <a:r>
-              <a:rPr lang="nl-NL" sz="1200" err="1">
-                <a:solidFill>
-                  <a:srgbClr val="4A86E8"/>
+              <a:rPr lang="nl-NL" sz="1200" dirty="0" err="1" smtClean="0">
+                <a:solidFill>
+                  <a:schemeClr val="tx1"/>
+                </a:solidFill>
+                <a:latin typeface="Open Sans"/>
+                <a:ea typeface="Open Sans"/>
+                <a:cs typeface="Open Sans"/>
+              </a:rPr>
+              <a:t>need</a:t>
+            </a:r>
+            <a:r>
+              <a:rPr lang="nl-NL" sz="1200" dirty="0" smtClean="0">
+                <a:solidFill>
+                  <a:schemeClr val="tx1"/>
+                </a:solidFill>
+                <a:latin typeface="Open Sans"/>
+                <a:ea typeface="Open Sans"/>
+                <a:cs typeface="Open Sans"/>
+              </a:rPr>
+              <a:t> </a:t>
+            </a:r>
+            <a:r>
+              <a:rPr lang="nl-NL" sz="1200" dirty="0" err="1" smtClean="0">
+                <a:solidFill>
+                  <a:schemeClr val="tx1"/>
+                </a:solidFill>
+                <a:latin typeface="Open Sans"/>
+                <a:ea typeface="Open Sans"/>
+                <a:cs typeface="Open Sans"/>
+              </a:rPr>
+              <a:t>to</a:t>
+            </a:r>
+            <a:r>
+              <a:rPr lang="nl-NL" sz="1200" dirty="0" smtClean="0">
+                <a:solidFill>
+                  <a:schemeClr val="tx1"/>
+                </a:solidFill>
+                <a:latin typeface="Open Sans"/>
+                <a:ea typeface="Open Sans"/>
+                <a:cs typeface="Open Sans"/>
+              </a:rPr>
+              <a:t> </a:t>
+            </a:r>
+            <a:r>
+              <a:rPr lang="nl-NL" sz="1200" dirty="0" err="1" smtClean="0">
+                <a:solidFill>
+                  <a:schemeClr val="tx1"/>
+                </a:solidFill>
+                <a:latin typeface="Open Sans"/>
+                <a:ea typeface="Open Sans"/>
+                <a:cs typeface="Open Sans"/>
+              </a:rPr>
+              <a:t>be</a:t>
+            </a:r>
+            <a:r>
+              <a:rPr lang="nl-NL" sz="1200" dirty="0" smtClean="0">
+                <a:solidFill>
+                  <a:schemeClr val="tx1"/>
+                </a:solidFill>
+                <a:latin typeface="Open Sans"/>
+                <a:ea typeface="Open Sans"/>
+                <a:cs typeface="Open Sans"/>
+              </a:rPr>
+              <a:t> </a:t>
+            </a:r>
+            <a:r>
+              <a:rPr lang="nl-NL" sz="1200" dirty="0" err="1" smtClean="0">
+                <a:solidFill>
+                  <a:schemeClr val="tx1"/>
+                </a:solidFill>
+                <a:latin typeface="Open Sans"/>
+                <a:ea typeface="Open Sans"/>
+                <a:cs typeface="Open Sans"/>
+              </a:rPr>
+              <a:t>considered</a:t>
+            </a:r>
+            <a:r>
+              <a:rPr lang="nl-NL" sz="1200" dirty="0" smtClean="0">
+                <a:solidFill>
+                  <a:schemeClr val="tx1"/>
+                </a:solidFill>
+                <a:latin typeface="Open Sans"/>
+                <a:ea typeface="Open Sans"/>
+                <a:cs typeface="Open Sans"/>
+              </a:rPr>
+              <a:t> </a:t>
+            </a:r>
+            <a:r>
+              <a:rPr lang="nl-NL" sz="1200" dirty="0" err="1" smtClean="0">
+                <a:solidFill>
+                  <a:schemeClr val="tx1"/>
                 </a:solidFill>
                 <a:latin typeface="Open Sans"/>
                 <a:ea typeface="Open Sans"/>
@@ -6988,16 +7936,24 @@
               <a:t>and</a:t>
             </a:r>
             <a:r>
-              <a:rPr lang="nl-NL" sz="1200">
-                <a:solidFill>
-                  <a:srgbClr val="4A86E8"/>
-                </a:solidFill>
-                <a:latin typeface="Open Sans"/>
-                <a:ea typeface="Open Sans"/>
-                <a:cs typeface="Open Sans"/>
-              </a:rPr>
-              <a:t> make them compatible</a:t>
-            </a:r>
+              <a:rPr lang="nl-NL" sz="1200" dirty="0" smtClean="0">
+                <a:solidFill>
+                  <a:schemeClr val="tx1"/>
+                </a:solidFill>
+                <a:latin typeface="Open Sans"/>
+                <a:ea typeface="Open Sans"/>
+                <a:cs typeface="Open Sans"/>
+              </a:rPr>
+              <a:t> made compatible</a:t>
+            </a:r>
+            <a:endParaRPr lang="nl-NL" sz="1200" dirty="0">
+              <a:solidFill>
+                <a:schemeClr val="tx1"/>
+              </a:solidFill>
+              <a:latin typeface="Open Sans"/>
+              <a:ea typeface="Open Sans"/>
+              <a:cs typeface="Open Sans"/>
+            </a:endParaRPr>
           </a:p>
         </p:txBody>
       </p:sp>
@@ -7027,9 +7983,9 @@
           <a:lstStyle/>
           <a:p>
             <a:r>
-              <a:rPr lang="nl-NL" sz="1200">
-                <a:solidFill>
-                  <a:srgbClr val="4A86E8"/>
+              <a:rPr lang="nl-NL" sz="1200" dirty="0">
+                <a:solidFill>
+                  <a:schemeClr val="tx1"/>
                 </a:solidFill>
                 <a:latin typeface="Open Sans"/>
                 <a:ea typeface="Open Sans"/>
@@ -7038,9 +7994,9 @@
               <a:t>-Software </a:t>
             </a:r>
             <a:r>
-              <a:rPr lang="nl-NL" sz="1200" err="1">
-                <a:solidFill>
-                  <a:srgbClr val="4A86E8"/>
+              <a:rPr lang="nl-NL" sz="1200" dirty="0" err="1">
+                <a:solidFill>
+                  <a:schemeClr val="tx1"/>
                 </a:solidFill>
                 <a:latin typeface="Open Sans"/>
                 <a:ea typeface="Open Sans"/>
@@ -7048,9 +8004,9 @@
               </a:rPr>
               <a:t>group</a:t>
             </a:r>
-            <a:endParaRPr lang="nl-NL" sz="1200">
+            <a:endParaRPr lang="nl-NL" sz="1200" dirty="0">
               <a:solidFill>
-                <a:srgbClr val="4A86E8"/>
+                <a:schemeClr val="tx1"/>
               </a:solidFill>
               <a:latin typeface="Open Sans"/>
               <a:ea typeface="Open Sans"/>
@@ -7059,9 +8015,9 @@
           </a:p>
           <a:p>
             <a:r>
-              <a:rPr lang="nl-NL" sz="1200">
-                <a:solidFill>
-                  <a:srgbClr val="4A86E8"/>
+              <a:rPr lang="nl-NL" sz="1200" dirty="0">
+                <a:solidFill>
+                  <a:schemeClr val="tx1"/>
                 </a:solidFill>
                 <a:latin typeface="Open Sans"/>
                 <a:ea typeface="Open Sans"/>
@@ -7070,9 +8026,9 @@
               <a:t>-</a:t>
             </a:r>
             <a:r>
-              <a:rPr lang="nl-NL" sz="1200" err="1">
-                <a:solidFill>
-                  <a:srgbClr val="4A86E8"/>
+              <a:rPr lang="nl-NL" sz="1200" dirty="0" err="1" smtClean="0">
+                <a:solidFill>
+                  <a:schemeClr val="tx1"/>
                 </a:solidFill>
                 <a:latin typeface="Open Sans"/>
                 <a:ea typeface="Open Sans"/>
@@ -7080,6 +8036,201 @@
               </a:rPr>
               <a:t>Experimentalists</a:t>
             </a:r>
+            <a:r>
+              <a:rPr lang="nl-NL" sz="1200" dirty="0" smtClean="0">
+                <a:solidFill>
+                  <a:schemeClr val="tx1"/>
+                </a:solidFill>
+                <a:latin typeface="Open Sans"/>
+                <a:ea typeface="Open Sans"/>
+                <a:cs typeface="Open Sans"/>
+              </a:rPr>
+              <a:t> (</a:t>
+            </a:r>
+            <a:r>
+              <a:rPr lang="nl-NL" sz="1200" dirty="0" err="1" smtClean="0">
+                <a:solidFill>
+                  <a:schemeClr val="tx1"/>
+                </a:solidFill>
+                <a:latin typeface="Open Sans"/>
+                <a:ea typeface="Open Sans"/>
+                <a:cs typeface="Open Sans"/>
+              </a:rPr>
+              <a:t>both</a:t>
+            </a:r>
+            <a:r>
+              <a:rPr lang="nl-NL" sz="1200" dirty="0" smtClean="0">
+                <a:solidFill>
+                  <a:schemeClr val="tx1"/>
+                </a:solidFill>
+                <a:latin typeface="Open Sans"/>
+                <a:ea typeface="Open Sans"/>
+                <a:cs typeface="Open Sans"/>
+              </a:rPr>
+              <a:t> </a:t>
+            </a:r>
+            <a:r>
+              <a:rPr lang="nl-NL" sz="1200" dirty="0" err="1" smtClean="0">
+                <a:solidFill>
+                  <a:schemeClr val="tx1"/>
+                </a:solidFill>
+                <a:latin typeface="Open Sans"/>
+                <a:ea typeface="Open Sans"/>
+                <a:cs typeface="Open Sans"/>
+              </a:rPr>
+              <a:t>other</a:t>
+            </a:r>
+            <a:r>
+              <a:rPr lang="nl-NL" sz="1200" dirty="0" smtClean="0">
+                <a:solidFill>
+                  <a:schemeClr val="tx1"/>
+                </a:solidFill>
+                <a:latin typeface="Open Sans"/>
+                <a:ea typeface="Open Sans"/>
+                <a:cs typeface="Open Sans"/>
+              </a:rPr>
+              <a:t> </a:t>
+            </a:r>
+            <a:r>
+              <a:rPr lang="nl-NL" sz="1200" dirty="0" err="1" smtClean="0">
+                <a:solidFill>
+                  <a:schemeClr val="tx1"/>
+                </a:solidFill>
+                <a:latin typeface="Open Sans"/>
+                <a:ea typeface="Open Sans"/>
+                <a:cs typeface="Open Sans"/>
+              </a:rPr>
+              <a:t>groups</a:t>
+            </a:r>
+            <a:r>
+              <a:rPr lang="nl-NL" sz="1200" dirty="0" smtClean="0">
+                <a:solidFill>
+                  <a:schemeClr val="tx1"/>
+                </a:solidFill>
+                <a:latin typeface="Open Sans"/>
+                <a:ea typeface="Open Sans"/>
+                <a:cs typeface="Open Sans"/>
+              </a:rPr>
+              <a:t> </a:t>
+            </a:r>
+            <a:r>
+              <a:rPr lang="nl-NL" sz="1200" dirty="0" err="1" smtClean="0">
+                <a:solidFill>
+                  <a:schemeClr val="tx1"/>
+                </a:solidFill>
+                <a:latin typeface="Open Sans"/>
+                <a:ea typeface="Open Sans"/>
+                <a:cs typeface="Open Sans"/>
+              </a:rPr>
+              <a:t>and</a:t>
+            </a:r>
+            <a:r>
+              <a:rPr lang="nl-NL" sz="1200" dirty="0" smtClean="0">
+                <a:solidFill>
+                  <a:schemeClr val="tx1"/>
+                </a:solidFill>
+                <a:latin typeface="Open Sans"/>
+                <a:ea typeface="Open Sans"/>
+                <a:cs typeface="Open Sans"/>
+              </a:rPr>
+              <a:t> </a:t>
+            </a:r>
+            <a:r>
+              <a:rPr lang="nl-NL" sz="1200" dirty="0" err="1" smtClean="0">
+                <a:solidFill>
+                  <a:schemeClr val="tx1"/>
+                </a:solidFill>
+                <a:latin typeface="Open Sans"/>
+                <a:ea typeface="Open Sans"/>
+                <a:cs typeface="Open Sans"/>
+              </a:rPr>
+              <a:t>general</a:t>
+            </a:r>
+            <a:r>
+              <a:rPr lang="nl-NL" sz="1200" dirty="0" smtClean="0">
+                <a:solidFill>
+                  <a:schemeClr val="tx1"/>
+                </a:solidFill>
+                <a:latin typeface="Open Sans"/>
+                <a:ea typeface="Open Sans"/>
+                <a:cs typeface="Open Sans"/>
+              </a:rPr>
+              <a:t> users of </a:t>
+            </a:r>
+            <a:r>
+              <a:rPr lang="nl-NL" sz="1200" dirty="0" err="1" smtClean="0">
+                <a:solidFill>
+                  <a:schemeClr val="tx1"/>
+                </a:solidFill>
+                <a:latin typeface="Open Sans"/>
+                <a:ea typeface="Open Sans"/>
+                <a:cs typeface="Open Sans"/>
+              </a:rPr>
+              <a:t>the</a:t>
+            </a:r>
+            <a:r>
+              <a:rPr lang="nl-NL" sz="1200" dirty="0" smtClean="0">
+                <a:solidFill>
+                  <a:schemeClr val="tx1"/>
+                </a:solidFill>
+                <a:latin typeface="Open Sans"/>
+                <a:ea typeface="Open Sans"/>
+                <a:cs typeface="Open Sans"/>
+              </a:rPr>
+              <a:t> off-</a:t>
+            </a:r>
+            <a:r>
+              <a:rPr lang="nl-NL" sz="1200" dirty="0" err="1" smtClean="0">
+                <a:solidFill>
+                  <a:schemeClr val="tx1"/>
+                </a:solidFill>
+                <a:latin typeface="Open Sans"/>
+                <a:ea typeface="Open Sans"/>
+                <a:cs typeface="Open Sans"/>
+              </a:rPr>
+              <a:t>grid</a:t>
+            </a:r>
+            <a:r>
+              <a:rPr lang="nl-NL" sz="1200" dirty="0" smtClean="0">
+                <a:solidFill>
+                  <a:schemeClr val="tx1"/>
+                </a:solidFill>
+                <a:latin typeface="Open Sans"/>
+                <a:ea typeface="Open Sans"/>
+                <a:cs typeface="Open Sans"/>
+              </a:rPr>
+              <a:t> </a:t>
+            </a:r>
+            <a:r>
+              <a:rPr lang="nl-NL" sz="1200" dirty="0" err="1" smtClean="0">
+                <a:solidFill>
+                  <a:schemeClr val="tx1"/>
+                </a:solidFill>
+                <a:latin typeface="Open Sans"/>
+                <a:ea typeface="Open Sans"/>
+                <a:cs typeface="Open Sans"/>
+              </a:rPr>
+              <a:t>measurement</a:t>
+            </a:r>
+            <a:r>
+              <a:rPr lang="nl-NL" sz="1200" dirty="0" smtClean="0">
+                <a:solidFill>
+                  <a:schemeClr val="tx1"/>
+                </a:solidFill>
+                <a:latin typeface="Open Sans"/>
+                <a:ea typeface="Open Sans"/>
+                <a:cs typeface="Open Sans"/>
+              </a:rPr>
+              <a:t> station)</a:t>
+            </a:r>
+            <a:endParaRPr lang="nl-NL" sz="1200" dirty="0">
+              <a:solidFill>
+                <a:schemeClr val="tx1"/>
+              </a:solidFill>
+              <a:latin typeface="Open Sans"/>
+              <a:ea typeface="Open Sans"/>
+              <a:cs typeface="Open Sans"/>
+            </a:endParaRPr>
           </a:p>
         </p:txBody>
       </p:sp>
@@ -7109,9 +8260,9 @@
           <a:lstStyle/>
           <a:p>
             <a:r>
-              <a:rPr lang="nl-NL" sz="1200">
-                <a:solidFill>
-                  <a:srgbClr val="4A86E8"/>
+              <a:rPr lang="nl-NL" sz="1200" dirty="0">
+                <a:solidFill>
+                  <a:schemeClr val="tx1"/>
                 </a:solidFill>
                 <a:latin typeface="Open Sans"/>
                 <a:ea typeface="Open Sans"/>
@@ -7120,9 +8271,9 @@
               <a:t>-</a:t>
             </a:r>
             <a:r>
-              <a:rPr lang="nl-NL" sz="1200" err="1">
-                <a:solidFill>
-                  <a:srgbClr val="4A86E8"/>
+              <a:rPr lang="nl-NL" sz="1200" dirty="0" err="1">
+                <a:solidFill>
+                  <a:schemeClr val="tx1"/>
                 </a:solidFill>
                 <a:latin typeface="Open Sans"/>
                 <a:ea typeface="Open Sans"/>
@@ -7131,9 +8282,9 @@
               <a:t>Discuss</a:t>
             </a:r>
             <a:r>
-              <a:rPr lang="nl-NL" sz="1200">
-                <a:solidFill>
-                  <a:srgbClr val="4A86E8"/>
+              <a:rPr lang="nl-NL" sz="1200" dirty="0">
+                <a:solidFill>
+                  <a:schemeClr val="tx1"/>
                 </a:solidFill>
                 <a:latin typeface="Open Sans"/>
                 <a:ea typeface="Open Sans"/>
@@ -7142,9 +8293,9 @@
               <a:t> </a:t>
             </a:r>
             <a:r>
-              <a:rPr lang="nl-NL" sz="1200" err="1">
-                <a:solidFill>
-                  <a:srgbClr val="4A86E8"/>
+              <a:rPr lang="nl-NL" sz="1200" dirty="0" err="1">
+                <a:solidFill>
+                  <a:schemeClr val="tx1"/>
                 </a:solidFill>
                 <a:latin typeface="Open Sans"/>
                 <a:ea typeface="Open Sans"/>
@@ -7153,9 +8304,9 @@
               <a:t>with</a:t>
             </a:r>
             <a:r>
-              <a:rPr lang="nl-NL" sz="1200">
-                <a:solidFill>
-                  <a:srgbClr val="4A86E8"/>
+              <a:rPr lang="nl-NL" sz="1200" dirty="0">
+                <a:solidFill>
+                  <a:schemeClr val="tx1"/>
                 </a:solidFill>
                 <a:latin typeface="Open Sans"/>
                 <a:ea typeface="Open Sans"/>
@@ -7164,9 +8315,9 @@
               <a:t> software </a:t>
             </a:r>
             <a:r>
-              <a:rPr lang="nl-NL" sz="1200" err="1">
-                <a:solidFill>
-                  <a:srgbClr val="4A86E8"/>
+              <a:rPr lang="nl-NL" sz="1200" dirty="0" err="1">
+                <a:solidFill>
+                  <a:schemeClr val="tx1"/>
                 </a:solidFill>
                 <a:latin typeface="Open Sans"/>
                 <a:ea typeface="Open Sans"/>
@@ -7175,9 +8326,9 @@
               <a:t>group</a:t>
             </a:r>
             <a:r>
-              <a:rPr lang="nl-NL" sz="1200">
-                <a:solidFill>
-                  <a:srgbClr val="4A86E8"/>
+              <a:rPr lang="nl-NL" sz="1200" dirty="0">
+                <a:solidFill>
+                  <a:schemeClr val="tx1"/>
                 </a:solidFill>
                 <a:latin typeface="Open Sans"/>
                 <a:ea typeface="Open Sans"/>
@@ -7186,9 +8337,9 @@
               <a:t> </a:t>
             </a:r>
             <a:r>
-              <a:rPr lang="nl-NL" sz="1200" err="1">
-                <a:solidFill>
-                  <a:srgbClr val="4A86E8"/>
+              <a:rPr lang="nl-NL" sz="1200" dirty="0" err="1">
+                <a:solidFill>
+                  <a:schemeClr val="tx1"/>
                 </a:solidFill>
                 <a:latin typeface="Open Sans"/>
                 <a:ea typeface="Open Sans"/>
@@ -7197,9 +8348,9 @@
               <a:t>for</a:t>
             </a:r>
             <a:r>
-              <a:rPr lang="nl-NL" sz="1200">
-                <a:solidFill>
-                  <a:srgbClr val="4A86E8"/>
+              <a:rPr lang="nl-NL" sz="1200" dirty="0">
+                <a:solidFill>
+                  <a:schemeClr val="tx1"/>
                 </a:solidFill>
                 <a:latin typeface="Open Sans"/>
                 <a:ea typeface="Open Sans"/>
@@ -7208,30 +8359,19 @@
               <a:t> hardware </a:t>
             </a:r>
             <a:r>
-              <a:rPr lang="nl-NL" sz="1200" err="1">
-                <a:solidFill>
-                  <a:srgbClr val="4A86E8"/>
-                </a:solidFill>
-                <a:latin typeface="Open Sans"/>
-                <a:ea typeface="Open Sans"/>
-                <a:cs typeface="Open Sans"/>
-              </a:rPr>
-              <a:t>reqs</a:t>
-            </a:r>
-            <a:r>
-              <a:rPr lang="nl-NL" sz="1200">
-                <a:solidFill>
-                  <a:srgbClr val="4A86E8"/>
-                </a:solidFill>
-                <a:latin typeface="Open Sans"/>
-                <a:ea typeface="Open Sans"/>
-                <a:cs typeface="Open Sans"/>
-              </a:rPr>
-              <a:t>.</a:t>
-            </a:r>
-            <a:endParaRPr sz="1200">
+              <a:rPr lang="nl-NL" sz="1200" dirty="0" err="1" smtClean="0">
+                <a:solidFill>
+                  <a:schemeClr val="tx1"/>
+                </a:solidFill>
+                <a:latin typeface="Open Sans"/>
+                <a:ea typeface="Open Sans"/>
+                <a:cs typeface="Open Sans"/>
+              </a:rPr>
+              <a:t>requirements</a:t>
+            </a:r>
+            <a:endParaRPr sz="1200" dirty="0">
               <a:solidFill>
-                <a:srgbClr val="4A86E8"/>
+                <a:schemeClr val="tx1"/>
               </a:solidFill>
               <a:latin typeface="Open Sans"/>
               <a:ea typeface="Open Sans"/>
@@ -7267,9 +8407,9 @@
           <a:lstStyle/>
           <a:p>
             <a:r>
-              <a:rPr lang="nl-NL" sz="1200">
-                <a:solidFill>
-                  <a:srgbClr val="4A86E8"/>
+              <a:rPr lang="nl-NL" sz="1200" dirty="0">
+                <a:solidFill>
+                  <a:schemeClr val="tx1"/>
                 </a:solidFill>
                 <a:latin typeface="Open Sans"/>
                 <a:ea typeface="Open Sans"/>
@@ -7278,9 +8418,9 @@
               <a:t>-Power </a:t>
             </a:r>
             <a:r>
-              <a:rPr lang="nl-NL" sz="1200" err="1">
-                <a:solidFill>
-                  <a:srgbClr val="4A86E8"/>
+              <a:rPr lang="nl-NL" sz="1200" dirty="0" err="1">
+                <a:solidFill>
+                  <a:schemeClr val="tx1"/>
                 </a:solidFill>
                 <a:latin typeface="Open Sans"/>
                 <a:ea typeface="Open Sans"/>
@@ -7289,9 +8429,9 @@
               <a:t>supply</a:t>
             </a:r>
             <a:r>
-              <a:rPr lang="nl-NL" sz="1200">
-                <a:solidFill>
-                  <a:srgbClr val="4A86E8"/>
+              <a:rPr lang="nl-NL" sz="1200" dirty="0">
+                <a:solidFill>
+                  <a:schemeClr val="tx1"/>
                 </a:solidFill>
                 <a:latin typeface="Open Sans"/>
                 <a:ea typeface="Open Sans"/>
@@ -7300,9 +8440,9 @@
               <a:t>, box design, environment control </a:t>
             </a:r>
             <a:r>
-              <a:rPr lang="nl-NL" sz="1200" err="1">
-                <a:solidFill>
-                  <a:srgbClr val="4A86E8"/>
+              <a:rPr lang="nl-NL" sz="1200" dirty="0" err="1">
+                <a:solidFill>
+                  <a:schemeClr val="tx1"/>
                 </a:solidFill>
                 <a:latin typeface="Open Sans"/>
                 <a:ea typeface="Open Sans"/>
@@ -7310,9 +8450,9 @@
               </a:rPr>
               <a:t>groups</a:t>
             </a:r>
-            <a:endParaRPr lang="nl-NL" sz="1200">
+            <a:endParaRPr lang="nl-NL" sz="1200" dirty="0">
               <a:solidFill>
-                <a:srgbClr val="4A86E8"/>
+                <a:schemeClr val="tx1"/>
               </a:solidFill>
               <a:latin typeface="Open Sans"/>
               <a:ea typeface="Open Sans"/>
@@ -7321,9 +8461,9 @@
           </a:p>
           <a:p>
             <a:r>
-              <a:rPr lang="nl-NL" sz="1200">
-                <a:solidFill>
-                  <a:srgbClr val="4A86E8"/>
+              <a:rPr lang="nl-NL" sz="1200" dirty="0" smtClean="0">
+                <a:solidFill>
+                  <a:schemeClr val="tx1"/>
                 </a:solidFill>
                 <a:latin typeface="Open Sans"/>
                 <a:ea typeface="Open Sans"/>
@@ -7332,30 +8472,52 @@
               <a:t>-</a:t>
             </a:r>
             <a:r>
-              <a:rPr lang="nl-NL" sz="1200" err="1">
-                <a:solidFill>
-                  <a:srgbClr val="4A86E8"/>
-                </a:solidFill>
-                <a:latin typeface="Open Sans"/>
-                <a:ea typeface="Open Sans"/>
-                <a:cs typeface="Open Sans"/>
-              </a:rPr>
-              <a:t>Experimentalists</a:t>
-            </a:r>
-            <a:r>
-              <a:rPr lang="nl-NL" sz="1200">
-                <a:solidFill>
-                  <a:srgbClr val="4A86E8"/>
-                </a:solidFill>
-                <a:latin typeface="Open Sans"/>
-                <a:ea typeface="Open Sans"/>
-                <a:cs typeface="Open Sans"/>
-              </a:rPr>
-              <a:t> (???)</a:t>
-            </a:r>
-            <a:endParaRPr sz="1200">
+              <a:rPr lang="nl-NL" sz="1200" dirty="0" err="1" smtClean="0">
+                <a:solidFill>
+                  <a:schemeClr val="tx1"/>
+                </a:solidFill>
+                <a:latin typeface="Open Sans"/>
+                <a:ea typeface="Open Sans"/>
+                <a:cs typeface="Open Sans"/>
+              </a:rPr>
+              <a:t>Groups</a:t>
+            </a:r>
+            <a:r>
+              <a:rPr lang="nl-NL" sz="1200" dirty="0" smtClean="0">
+                <a:solidFill>
+                  <a:schemeClr val="tx1"/>
+                </a:solidFill>
+                <a:latin typeface="Open Sans"/>
+                <a:ea typeface="Open Sans"/>
+                <a:cs typeface="Open Sans"/>
+              </a:rPr>
+              <a:t> </a:t>
+            </a:r>
+            <a:r>
+              <a:rPr lang="nl-NL" sz="1200" dirty="0" err="1" smtClean="0">
+                <a:solidFill>
+                  <a:schemeClr val="tx1"/>
+                </a:solidFill>
+                <a:latin typeface="Open Sans"/>
+                <a:ea typeface="Open Sans"/>
+                <a:cs typeface="Open Sans"/>
+              </a:rPr>
+              <a:t>designing</a:t>
+            </a:r>
+            <a:r>
+              <a:rPr lang="nl-NL" sz="1200" dirty="0" smtClean="0">
+                <a:solidFill>
+                  <a:schemeClr val="tx1"/>
+                </a:solidFill>
+                <a:latin typeface="Open Sans"/>
+                <a:ea typeface="Open Sans"/>
+                <a:cs typeface="Open Sans"/>
+              </a:rPr>
+              <a:t> experiment modules</a:t>
+            </a:r>
+            <a:endParaRPr sz="1200" dirty="0">
               <a:solidFill>
-                <a:srgbClr val="4A86E8"/>
+                <a:schemeClr val="tx1"/>
               </a:solidFill>
               <a:latin typeface="Open Sans"/>
               <a:ea typeface="Open Sans"/>
@@ -7373,7 +8535,7 @@
         <p:spPr>
           <a:xfrm>
             <a:off x="6120650" y="3746137"/>
-            <a:ext cx="1613700" cy="896400"/>
+            <a:ext cx="1613700" cy="792612"/>
           </a:xfrm>
           <a:prstGeom prst="rect">
             <a:avLst/>
@@ -7390,9 +8552,9 @@
           <a:lstStyle/>
           <a:p>
             <a:r>
-              <a:rPr lang="nl-NL" sz="1000">
-                <a:solidFill>
-                  <a:srgbClr val="4A86E8"/>
+              <a:rPr lang="nl-NL" sz="1000" dirty="0">
+                <a:solidFill>
+                  <a:schemeClr val="tx1"/>
                 </a:solidFill>
                 <a:latin typeface="Open Sans"/>
                 <a:ea typeface="Open Sans"/>
@@ -7401,9 +8563,9 @@
               <a:t>-</a:t>
             </a:r>
             <a:r>
-              <a:rPr lang="nl-NL" sz="1000" err="1">
-                <a:solidFill>
-                  <a:srgbClr val="4A86E8"/>
+              <a:rPr lang="nl-NL" sz="1000" dirty="0" err="1">
+                <a:solidFill>
+                  <a:schemeClr val="tx1"/>
                 </a:solidFill>
                 <a:latin typeface="Open Sans"/>
                 <a:ea typeface="Open Sans"/>
@@ -7412,9 +8574,9 @@
               <a:t>Discuss</a:t>
             </a:r>
             <a:r>
-              <a:rPr lang="nl-NL" sz="1000">
-                <a:solidFill>
-                  <a:srgbClr val="4A86E8"/>
+              <a:rPr lang="nl-NL" sz="1000" dirty="0">
+                <a:solidFill>
+                  <a:schemeClr val="tx1"/>
                 </a:solidFill>
                 <a:latin typeface="Open Sans"/>
                 <a:ea typeface="Open Sans"/>
@@ -7423,9 +8585,9 @@
               <a:t> </a:t>
             </a:r>
             <a:r>
-              <a:rPr lang="nl-NL" sz="1000" err="1">
-                <a:solidFill>
-                  <a:srgbClr val="4A86E8"/>
+              <a:rPr lang="nl-NL" sz="1000" dirty="0" err="1">
+                <a:solidFill>
+                  <a:schemeClr val="tx1"/>
                 </a:solidFill>
                 <a:latin typeface="Open Sans"/>
                 <a:ea typeface="Open Sans"/>
@@ -7434,9 +8596,9 @@
               <a:t>with</a:t>
             </a:r>
             <a:r>
-              <a:rPr lang="nl-NL" sz="1000">
-                <a:solidFill>
-                  <a:srgbClr val="4A86E8"/>
+              <a:rPr lang="nl-NL" sz="1000" dirty="0">
+                <a:solidFill>
+                  <a:schemeClr val="tx1"/>
                 </a:solidFill>
                 <a:latin typeface="Open Sans"/>
                 <a:ea typeface="Open Sans"/>
@@ -7445,9 +8607,9 @@
               <a:t> relevant </a:t>
             </a:r>
             <a:r>
-              <a:rPr lang="nl-NL" sz="1000" err="1">
-                <a:solidFill>
-                  <a:srgbClr val="4A86E8"/>
+              <a:rPr lang="nl-NL" sz="1000" dirty="0" err="1" smtClean="0">
+                <a:solidFill>
+                  <a:schemeClr val="tx1"/>
                 </a:solidFill>
                 <a:latin typeface="Open Sans"/>
                 <a:ea typeface="Open Sans"/>
@@ -7456,31 +8618,9 @@
               <a:t>groups</a:t>
             </a:r>
             <a:r>
-              <a:rPr lang="nl-NL" sz="1000">
-                <a:solidFill>
-                  <a:srgbClr val="4A86E8"/>
-                </a:solidFill>
-                <a:latin typeface="Open Sans"/>
-                <a:ea typeface="Open Sans"/>
-                <a:cs typeface="Open Sans"/>
-              </a:rPr>
-              <a:t>, </a:t>
-            </a:r>
-            <a:r>
-              <a:rPr lang="nl-NL" sz="1000" err="1">
-                <a:solidFill>
-                  <a:srgbClr val="4A86E8"/>
-                </a:solidFill>
-                <a:latin typeface="Open Sans"/>
-                <a:ea typeface="Open Sans"/>
-                <a:cs typeface="Open Sans"/>
-              </a:rPr>
-              <a:t>so</a:t>
-            </a:r>
-            <a:r>
-              <a:rPr lang="nl-NL" sz="1000">
-                <a:solidFill>
-                  <a:srgbClr val="4A86E8"/>
+              <a:rPr lang="nl-NL" sz="1000" dirty="0" smtClean="0">
+                <a:solidFill>
+                  <a:schemeClr val="tx1"/>
                 </a:solidFill>
                 <a:latin typeface="Open Sans"/>
                 <a:ea typeface="Open Sans"/>
@@ -7489,88 +8629,51 @@
               <a:t> </a:t>
             </a:r>
             <a:r>
-              <a:rPr lang="nl-NL" sz="1000" err="1">
-                <a:solidFill>
-                  <a:srgbClr val="4A86E8"/>
-                </a:solidFill>
-                <a:latin typeface="Open Sans"/>
-                <a:ea typeface="Open Sans"/>
-                <a:cs typeface="Open Sans"/>
-              </a:rPr>
-              <a:t>basically</a:t>
-            </a:r>
-            <a:r>
-              <a:rPr lang="nl-NL" sz="1000">
-                <a:solidFill>
-                  <a:srgbClr val="4A86E8"/>
-                </a:solidFill>
-                <a:latin typeface="Open Sans"/>
-                <a:ea typeface="Open Sans"/>
-                <a:cs typeface="Open Sans"/>
-              </a:rPr>
-              <a:t> </a:t>
-            </a:r>
-            <a:r>
-              <a:rPr lang="nl-NL" sz="1000" err="1">
-                <a:solidFill>
-                  <a:srgbClr val="4A86E8"/>
-                </a:solidFill>
-                <a:latin typeface="Open Sans"/>
-                <a:ea typeface="Open Sans"/>
-                <a:cs typeface="Open Sans"/>
-              </a:rPr>
-              <a:t>everyone</a:t>
-            </a:r>
-            <a:r>
-              <a:rPr lang="nl-NL" sz="1000">
-                <a:solidFill>
-                  <a:srgbClr val="4A86E8"/>
-                </a:solidFill>
-                <a:latin typeface="Open Sans"/>
-                <a:ea typeface="Open Sans"/>
-                <a:cs typeface="Open Sans"/>
-              </a:rPr>
-              <a:t> (?)</a:t>
-            </a:r>
+              <a:rPr lang="nl-NL" sz="1000" dirty="0" err="1" smtClean="0">
+                <a:solidFill>
+                  <a:schemeClr val="tx1"/>
+                </a:solidFill>
+                <a:latin typeface="Open Sans"/>
+                <a:ea typeface="Open Sans"/>
+                <a:cs typeface="Open Sans"/>
+              </a:rPr>
+              <a:t>with</a:t>
+            </a:r>
+            <a:endParaRPr lang="nl-NL" sz="1000" dirty="0" smtClean="0">
+              <a:solidFill>
+                <a:schemeClr val="tx1"/>
+              </a:solidFill>
+              <a:latin typeface="Open Sans"/>
+              <a:ea typeface="Open Sans"/>
+              <a:cs typeface="Open Sans"/>
+            </a:endParaRPr>
           </a:p>
           <a:p>
-            <a:r>
-              <a:rPr lang="nl-NL" sz="1000">
-                <a:solidFill>
-                  <a:srgbClr val="4A86E8"/>
-                </a:solidFill>
-                <a:latin typeface="Open Sans"/>
-                <a:ea typeface="Open Sans"/>
-                <a:cs typeface="Open Sans"/>
-              </a:rPr>
-              <a:t>-</a:t>
-            </a:r>
-            <a:r>
-              <a:rPr lang="nl-NL" sz="1000" err="1">
-                <a:solidFill>
-                  <a:srgbClr val="4A86E8"/>
-                </a:solidFill>
-                <a:latin typeface="Open Sans"/>
-                <a:ea typeface="Open Sans"/>
-                <a:cs typeface="Open Sans"/>
-              </a:rPr>
-              <a:t>Creating</a:t>
-            </a:r>
-            <a:r>
-              <a:rPr lang="nl-NL" sz="1000">
-                <a:solidFill>
-                  <a:srgbClr val="4A86E8"/>
-                </a:solidFill>
-                <a:latin typeface="Open Sans"/>
-                <a:ea typeface="Open Sans"/>
-                <a:cs typeface="Open Sans"/>
-              </a:rPr>
-              <a:t> a list of </a:t>
-            </a:r>
-            <a:r>
-              <a:rPr lang="nl-NL" sz="1000" err="1">
-                <a:solidFill>
-                  <a:srgbClr val="4A86E8"/>
+            <a:endParaRPr lang="nl-NL" sz="1000" dirty="0">
+              <a:solidFill>
+                <a:schemeClr val="tx1"/>
+              </a:solidFill>
+              <a:latin typeface="Open Sans"/>
+              <a:ea typeface="Open Sans"/>
+              <a:cs typeface="Open Sans"/>
+            </a:endParaRPr>
+          </a:p>
+          <a:p>
+            <a:r>
+              <a:rPr lang="nl-NL" sz="1000" dirty="0" smtClean="0">
+                <a:solidFill>
+                  <a:schemeClr val="tx1"/>
+                </a:solidFill>
+                <a:latin typeface="Open Sans"/>
+                <a:ea typeface="Open Sans"/>
+                <a:cs typeface="Open Sans"/>
+              </a:rPr>
+              <a:t>-A </a:t>
+            </a:r>
+            <a:r>
+              <a:rPr lang="nl-NL" sz="1000" dirty="0" err="1" smtClean="0">
+                <a:solidFill>
+                  <a:schemeClr val="tx1"/>
                 </a:solidFill>
                 <a:latin typeface="Open Sans"/>
                 <a:ea typeface="Open Sans"/>
@@ -7579,9 +8682,31 @@
               <a:t>general</a:t>
             </a:r>
             <a:r>
-              <a:rPr lang="nl-NL" sz="1000">
-                <a:solidFill>
-                  <a:srgbClr val="4A86E8"/>
+              <a:rPr lang="nl-NL" sz="1000" dirty="0" smtClean="0">
+                <a:solidFill>
+                  <a:schemeClr val="tx1"/>
+                </a:solidFill>
+                <a:latin typeface="Open Sans"/>
+                <a:ea typeface="Open Sans"/>
+                <a:cs typeface="Open Sans"/>
+              </a:rPr>
+              <a:t> list of </a:t>
+            </a:r>
+            <a:r>
+              <a:rPr lang="nl-NL" sz="1000" dirty="0" err="1" smtClean="0">
+                <a:solidFill>
+                  <a:schemeClr val="tx1"/>
+                </a:solidFill>
+                <a:latin typeface="Open Sans"/>
+                <a:ea typeface="Open Sans"/>
+                <a:cs typeface="Open Sans"/>
+              </a:rPr>
+              <a:t>questions</a:t>
+            </a:r>
+            <a:r>
+              <a:rPr lang="nl-NL" sz="1000" dirty="0" smtClean="0">
+                <a:solidFill>
+                  <a:schemeClr val="tx1"/>
                 </a:solidFill>
                 <a:latin typeface="Open Sans"/>
                 <a:ea typeface="Open Sans"/>
@@ -7590,16 +8715,46 @@
               <a:t> </a:t>
             </a:r>
             <a:r>
-              <a:rPr lang="nl-NL" sz="1000" err="1">
-                <a:solidFill>
-                  <a:srgbClr val="4A86E8"/>
-                </a:solidFill>
-                <a:latin typeface="Open Sans"/>
-                <a:ea typeface="Open Sans"/>
-                <a:cs typeface="Open Sans"/>
-              </a:rPr>
-              <a:t>questions</a:t>
-            </a:r>
+              <a:rPr lang="nl-NL" sz="1000" dirty="0" err="1" smtClean="0">
+                <a:solidFill>
+                  <a:schemeClr val="tx1"/>
+                </a:solidFill>
+                <a:latin typeface="Open Sans"/>
+                <a:ea typeface="Open Sans"/>
+                <a:cs typeface="Open Sans"/>
+              </a:rPr>
+              <a:t>for</a:t>
+            </a:r>
+            <a:r>
+              <a:rPr lang="nl-NL" sz="1000" dirty="0" smtClean="0">
+                <a:solidFill>
+                  <a:schemeClr val="tx1"/>
+                </a:solidFill>
+                <a:latin typeface="Open Sans"/>
+                <a:ea typeface="Open Sans"/>
+                <a:cs typeface="Open Sans"/>
+              </a:rPr>
+              <a:t> data input </a:t>
+            </a:r>
+            <a:r>
+              <a:rPr lang="nl-NL" sz="1000" dirty="0" err="1" smtClean="0">
+                <a:solidFill>
+                  <a:schemeClr val="tx1"/>
+                </a:solidFill>
+                <a:latin typeface="Open Sans"/>
+                <a:ea typeface="Open Sans"/>
+                <a:cs typeface="Open Sans"/>
+              </a:rPr>
+              <a:t>groups</a:t>
+            </a:r>
+            <a:endParaRPr lang="nl-NL" sz="1000" dirty="0">
+              <a:solidFill>
+                <a:schemeClr val="tx1"/>
+              </a:solidFill>
+              <a:latin typeface="Open Sans"/>
+              <a:ea typeface="Open Sans"/>
+              <a:cs typeface="Open Sans"/>
+            </a:endParaRPr>
           </a:p>
         </p:txBody>
       </p:sp>
@@ -7638,10 +8793,18 @@
               <a:buNone/>
             </a:pPr>
             <a:r>
-              <a:rPr lang="en" sz="1300"/>
+              <a:rPr lang="en" sz="1300">
+                <a:solidFill>
+                  <a:schemeClr val="tx1"/>
+                </a:solidFill>
+              </a:rPr>
               <a:t>See next slide for instructions!</a:t>
             </a:r>
-            <a:endParaRPr sz="1300"/>
+            <a:endParaRPr sz="1300">
+              <a:solidFill>
+                <a:schemeClr val="tx1"/>
+              </a:solidFill>
+            </a:endParaRPr>
           </a:p>
         </p:txBody>
       </p:sp>
@@ -7650,7 +8813,7 @@
           <p:cNvPr id="3" name="TextBox 2">
             <a:extLst>
               <a:ext uri="{FF2B5EF4-FFF2-40B4-BE49-F238E27FC236}">
-                <a16:creationId xmlns:a16="http://schemas.microsoft.com/office/drawing/2014/main" id="{6CBCDE75-6DB8-4141-AB4E-20A00527731D}"/>
+                <a16:creationId xmlns:a16="http://schemas.microsoft.com/office/drawing/2014/main" xmlns="" id="{6CBCDE75-6DB8-4141-AB4E-20A00527731D}"/>
               </a:ext>
             </a:extLst>
           </p:cNvPr>
@@ -7676,7 +8839,7 @@
             <a:r>
               <a:rPr lang="en-US" sz="1400" b="0" i="0" u="none" strike="noStrike" cap="none">
                 <a:solidFill>
-                  <a:srgbClr val="000000"/>
+                  <a:schemeClr val="tx1"/>
                 </a:solidFill>
                 <a:latin typeface="Arial"/>
                 <a:ea typeface="Arial"/>
